--- a/ゼミ発表資料/1821005_1115.pptx
+++ b/ゼミ発表資料/1821005_1115.pptx
@@ -27,7 +27,7 @@
     <p:sldId id="275" r:id="rId18"/>
     <p:sldId id="277" r:id="rId19"/>
     <p:sldId id="278" r:id="rId20"/>
-    <p:sldId id="276" r:id="rId21"/>
+    <p:sldId id="279" r:id="rId21"/>
   </p:sldIdLst>
   <p:sldSz cx="9144000" cy="6858000" type="screen4x3"/>
   <p:notesSz cx="6858000" cy="9144000"/>
@@ -216,7 +216,7 @@
           <a:p>
             <a:fld id="{D359827B-A45A-42A3-8D19-3E0C9B79B6AF}" type="datetimeFigureOut">
               <a:rPr kumimoji="1" lang="ja-JP" altLang="en-US" smtClean="0"/>
-              <a:t>2021/11/8</a:t>
+              <a:t>2021/11/15</a:t>
             </a:fld>
             <a:endParaRPr kumimoji="1" lang="ja-JP" altLang="en-US"/>
           </a:p>
@@ -886,7 +886,7 @@
           <a:p>
             <a:fld id="{F97256E2-A65E-4B77-B264-911586924883}" type="datetime1">
               <a:rPr kumimoji="1" lang="ja-JP" altLang="en-US" smtClean="0"/>
-              <a:t>2021/11/8</a:t>
+              <a:t>2021/11/15</a:t>
             </a:fld>
             <a:endParaRPr kumimoji="1" lang="ja-JP" altLang="en-US"/>
           </a:p>
@@ -1088,7 +1088,7 @@
           <a:p>
             <a:fld id="{7D14B865-5DC8-45B1-AA67-F8656352C909}" type="datetime1">
               <a:rPr kumimoji="1" lang="ja-JP" altLang="en-US" smtClean="0"/>
-              <a:t>2021/11/8</a:t>
+              <a:t>2021/11/15</a:t>
             </a:fld>
             <a:endParaRPr kumimoji="1" lang="ja-JP" altLang="en-US"/>
           </a:p>
@@ -1300,7 +1300,7 @@
           <a:p>
             <a:fld id="{02A15EFD-2DFF-458B-A902-73BF4EFB1164}" type="datetime1">
               <a:rPr kumimoji="1" lang="ja-JP" altLang="en-US" smtClean="0"/>
-              <a:t>2021/11/8</a:t>
+              <a:t>2021/11/15</a:t>
             </a:fld>
             <a:endParaRPr kumimoji="1" lang="ja-JP" altLang="en-US"/>
           </a:p>
@@ -1502,7 +1502,7 @@
           <a:p>
             <a:fld id="{9EBF459C-F29A-4B20-A8B3-856EFF20B301}" type="datetime1">
               <a:rPr kumimoji="1" lang="ja-JP" altLang="en-US" smtClean="0"/>
-              <a:t>2021/11/8</a:t>
+              <a:t>2021/11/15</a:t>
             </a:fld>
             <a:endParaRPr kumimoji="1" lang="ja-JP" altLang="en-US"/>
           </a:p>
@@ -1746,7 +1746,7 @@
           <a:p>
             <a:fld id="{E2F1D19E-D3ED-426D-8C0C-A7E859C70D82}" type="datetime1">
               <a:rPr kumimoji="1" lang="ja-JP" altLang="en-US" smtClean="0"/>
-              <a:t>2021/11/8</a:t>
+              <a:t>2021/11/15</a:t>
             </a:fld>
             <a:endParaRPr kumimoji="1" lang="ja-JP" altLang="en-US"/>
           </a:p>
@@ -2042,7 +2042,7 @@
           <a:p>
             <a:fld id="{AC85B4AF-0CA0-4CE4-B5F2-9615981BDB42}" type="datetime1">
               <a:rPr kumimoji="1" lang="ja-JP" altLang="en-US" smtClean="0"/>
-              <a:t>2021/11/8</a:t>
+              <a:t>2021/11/15</a:t>
             </a:fld>
             <a:endParaRPr kumimoji="1" lang="ja-JP" altLang="en-US"/>
           </a:p>
@@ -2473,7 +2473,7 @@
           <a:p>
             <a:fld id="{41CEF983-C0A5-4267-8E2C-E552BBDE4CE2}" type="datetime1">
               <a:rPr kumimoji="1" lang="ja-JP" altLang="en-US" smtClean="0"/>
-              <a:t>2021/11/8</a:t>
+              <a:t>2021/11/15</a:t>
             </a:fld>
             <a:endParaRPr kumimoji="1" lang="ja-JP" altLang="en-US"/>
           </a:p>
@@ -2591,7 +2591,7 @@
           <a:p>
             <a:fld id="{88BDB93D-AD42-430C-B431-09BCC7ABE956}" type="datetime1">
               <a:rPr kumimoji="1" lang="ja-JP" altLang="en-US" smtClean="0"/>
-              <a:t>2021/11/8</a:t>
+              <a:t>2021/11/15</a:t>
             </a:fld>
             <a:endParaRPr kumimoji="1" lang="ja-JP" altLang="en-US"/>
           </a:p>
@@ -2686,7 +2686,7 @@
           <a:p>
             <a:fld id="{D271579B-5523-45D2-8886-921D1D44EEED}" type="datetime1">
               <a:rPr kumimoji="1" lang="ja-JP" altLang="en-US" smtClean="0"/>
-              <a:t>2021/11/8</a:t>
+              <a:t>2021/11/15</a:t>
             </a:fld>
             <a:endParaRPr kumimoji="1" lang="ja-JP" altLang="en-US"/>
           </a:p>
@@ -2995,7 +2995,7 @@
           <a:p>
             <a:fld id="{0E7742D9-CD6D-4362-A175-904BAA441680}" type="datetime1">
               <a:rPr kumimoji="1" lang="ja-JP" altLang="en-US" smtClean="0"/>
-              <a:t>2021/11/8</a:t>
+              <a:t>2021/11/15</a:t>
             </a:fld>
             <a:endParaRPr kumimoji="1" lang="ja-JP" altLang="en-US"/>
           </a:p>
@@ -3252,7 +3252,7 @@
           <a:p>
             <a:fld id="{81F08DD8-F1CF-472A-B406-5FCD361CD16E}" type="datetime1">
               <a:rPr kumimoji="1" lang="ja-JP" altLang="en-US" smtClean="0"/>
-              <a:t>2021/11/8</a:t>
+              <a:t>2021/11/15</a:t>
             </a:fld>
             <a:endParaRPr kumimoji="1" lang="ja-JP" altLang="en-US"/>
           </a:p>
@@ -3497,7 +3497,7 @@
           <a:p>
             <a:fld id="{12578FE9-280D-4954-B807-C67AC8024AE2}" type="datetime1">
               <a:rPr kumimoji="1" lang="ja-JP" altLang="en-US" smtClean="0"/>
-              <a:t>2021/11/8</a:t>
+              <a:t>2021/11/15</a:t>
             </a:fld>
             <a:endParaRPr kumimoji="1" lang="ja-JP" altLang="en-US"/>
           </a:p>
@@ -3947,7 +3947,6 @@
               <a:rPr kumimoji="1" lang="en-US" altLang="ja-JP" dirty="0" smtClean="0"/>
               <a:t>2021/11/08</a:t>
             </a:r>
-            <a:endParaRPr kumimoji="1" lang="en-US" altLang="ja-JP" dirty="0" smtClean="0"/>
           </a:p>
           <a:p>
             <a:r>
@@ -5372,7 +5371,7 @@
         </p:nvGraphicFramePr>
         <p:xfrm>
           <a:off x="1227219" y="3200400"/>
-          <a:ext cx="6306319" cy="702755"/>
+          <a:ext cx="6306319" cy="711200"/>
         </p:xfrm>
         <a:graphic>
           <a:graphicData uri="http://schemas.openxmlformats.org/drawingml/2006/table">
@@ -5888,6 +5887,10 @@
           <a:bodyPr/>
           <a:lstStyle/>
           <a:p>
+            <a:r>
+              <a:rPr kumimoji="1" lang="ja-JP" altLang="en-US" dirty="0" smtClean="0"/>
+              <a:t>大量の予測ベクトル保存</a:t>
+            </a:r>
             <a:endParaRPr kumimoji="1" lang="ja-JP" altLang="en-US" dirty="0"/>
           </a:p>
         </p:txBody>
@@ -5902,12 +5905,21 @@
             <p:ph idx="1"/>
           </p:nvPr>
         </p:nvSpPr>
-        <p:spPr/>
-        <p:txBody>
-          <a:bodyPr/>
-          <a:lstStyle/>
-          <a:p>
-            <a:endParaRPr kumimoji="1" lang="ja-JP" altLang="en-US"/>
+        <p:spPr>
+          <a:xfrm>
+            <a:off x="628650" y="1690689"/>
+            <a:ext cx="7886700" cy="4351338"/>
+          </a:xfrm>
+        </p:spPr>
+        <p:txBody>
+          <a:bodyPr/>
+          <a:lstStyle/>
+          <a:p>
+            <a:r>
+              <a:rPr kumimoji="1" lang="ja-JP" altLang="en-US" dirty="0" smtClean="0"/>
+              <a:t>下記の通り実行すると保存ができた．</a:t>
+            </a:r>
+            <a:endParaRPr kumimoji="1" lang="ja-JP" altLang="en-US" dirty="0"/>
           </a:p>
         </p:txBody>
       </p:sp>
@@ -5934,6 +5946,391 @@
           </a:p>
         </p:txBody>
       </p:sp>
+      <p:graphicFrame>
+        <p:nvGraphicFramePr>
+          <p:cNvPr id="5" name="表 4"/>
+          <p:cNvGraphicFramePr>
+            <a:graphicFrameLocks noGrp="1"/>
+          </p:cNvGraphicFramePr>
+          <p:nvPr>
+            <p:extLst>
+              <p:ext uri="{D42A27DB-BD31-4B8C-83A1-F6EECF244321}">
+                <p14:modId xmlns:p14="http://schemas.microsoft.com/office/powerpoint/2010/main" val="1003396961"/>
+              </p:ext>
+            </p:extLst>
+          </p:nvPr>
+        </p:nvGraphicFramePr>
+        <p:xfrm>
+          <a:off x="842211" y="2382253"/>
+          <a:ext cx="6966283" cy="2377440"/>
+        </p:xfrm>
+        <a:graphic>
+          <a:graphicData uri="http://schemas.openxmlformats.org/drawingml/2006/table">
+            <a:tbl>
+              <a:tblPr firstRow="1" bandRow="1">
+                <a:tableStyleId>{2D5ABB26-0587-4C30-8999-92F81FD0307C}</a:tableStyleId>
+              </a:tblPr>
+              <a:tblGrid>
+                <a:gridCol w="6966283">
+                  <a:extLst>
+                    <a:ext uri="{9D8B030D-6E8A-4147-A177-3AD203B41FA5}">
+                      <a16:colId xmlns:a16="http://schemas.microsoft.com/office/drawing/2014/main" val="820259971"/>
+                    </a:ext>
+                  </a:extLst>
+                </a:gridCol>
+              </a:tblGrid>
+              <a:tr h="1512494">
+                <a:tc>
+                  <a:txBody>
+                    <a:bodyPr/>
+                    <a:lstStyle/>
+                    <a:p>
+                      <a:pPr marL="0" marR="0" indent="0" algn="l" defTabSz="914400" rtl="0" eaLnBrk="1" fontAlgn="auto" latinLnBrk="0" hangingPunct="1">
+                        <a:lnSpc>
+                          <a:spcPct val="100000"/>
+                        </a:lnSpc>
+                        <a:spcBef>
+                          <a:spcPts val="0"/>
+                        </a:spcBef>
+                        <a:spcAft>
+                          <a:spcPts val="0"/>
+                        </a:spcAft>
+                        <a:buClrTx/>
+                        <a:buSzTx/>
+                        <a:buFontTx/>
+                        <a:buNone/>
+                        <a:tabLst/>
+                        <a:defRPr/>
+                      </a:pPr>
+                      <a:r>
+                        <a:rPr kumimoji="1" lang="en-US" altLang="ja-JP" sz="1800" b="0" kern="1200" dirty="0" smtClean="0">
+                          <a:solidFill>
+                            <a:schemeClr val="tx1"/>
+                          </a:solidFill>
+                          <a:effectLst/>
+                          <a:latin typeface="+mn-lt"/>
+                          <a:ea typeface="+mn-ea"/>
+                          <a:cs typeface="+mn-cs"/>
+                        </a:rPr>
+                        <a:t>for </a:t>
+                      </a:r>
+                      <a:r>
+                        <a:rPr kumimoji="1" lang="en-US" altLang="ja-JP" sz="1800" b="0" kern="1200" dirty="0" err="1" smtClean="0">
+                          <a:solidFill>
+                            <a:schemeClr val="tx1"/>
+                          </a:solidFill>
+                          <a:effectLst/>
+                          <a:latin typeface="+mn-lt"/>
+                          <a:ea typeface="+mn-ea"/>
+                          <a:cs typeface="+mn-cs"/>
+                        </a:rPr>
+                        <a:t>i</a:t>
+                      </a:r>
+                      <a:r>
+                        <a:rPr kumimoji="1" lang="en-US" altLang="ja-JP" sz="1800" b="0" kern="1200" dirty="0" smtClean="0">
+                          <a:solidFill>
+                            <a:schemeClr val="tx1"/>
+                          </a:solidFill>
+                          <a:effectLst/>
+                          <a:latin typeface="+mn-lt"/>
+                          <a:ea typeface="+mn-ea"/>
+                          <a:cs typeface="+mn-cs"/>
+                        </a:rPr>
+                        <a:t> in range(0,1000):</a:t>
+                      </a:r>
+                    </a:p>
+                    <a:p>
+                      <a:endParaRPr kumimoji="1" lang="en-US" altLang="ja-JP" sz="1800" b="0" kern="1200" dirty="0" smtClean="0">
+                        <a:solidFill>
+                          <a:schemeClr val="tx1"/>
+                        </a:solidFill>
+                        <a:effectLst/>
+                        <a:latin typeface="+mn-lt"/>
+                        <a:ea typeface="+mn-ea"/>
+                        <a:cs typeface="+mn-cs"/>
+                      </a:endParaRPr>
+                    </a:p>
+                    <a:p>
+                      <a:r>
+                        <a:rPr kumimoji="1" lang="en-US" altLang="ja-JP" sz="1800" b="0" kern="1200" dirty="0" err="1" smtClean="0">
+                          <a:solidFill>
+                            <a:schemeClr val="tx1"/>
+                          </a:solidFill>
+                          <a:effectLst/>
+                          <a:latin typeface="+mn-lt"/>
+                          <a:ea typeface="+mn-ea"/>
+                          <a:cs typeface="+mn-cs"/>
+                        </a:rPr>
+                        <a:t>file‗path</a:t>
+                      </a:r>
+                      <a:r>
+                        <a:rPr kumimoji="1" lang="en-US" altLang="ja-JP" sz="1800" b="0" kern="1200" dirty="0" smtClean="0">
+                          <a:solidFill>
+                            <a:schemeClr val="tx1"/>
+                          </a:solidFill>
+                          <a:effectLst/>
+                          <a:latin typeface="+mn-lt"/>
+                          <a:ea typeface="+mn-ea"/>
+                          <a:cs typeface="+mn-cs"/>
+                        </a:rPr>
+                        <a:t> = ’/content/</a:t>
+                      </a:r>
+                      <a:r>
+                        <a:rPr kumimoji="1" lang="en-US" altLang="ja-JP" sz="1800" b="0" kern="1200" dirty="0" err="1" smtClean="0">
+                          <a:solidFill>
+                            <a:schemeClr val="tx1"/>
+                          </a:solidFill>
+                          <a:effectLst/>
+                          <a:latin typeface="+mn-lt"/>
+                          <a:ea typeface="+mn-ea"/>
+                          <a:cs typeface="+mn-cs"/>
+                        </a:rPr>
+                        <a:t>test‗vector</a:t>
+                      </a:r>
+                      <a:r>
+                        <a:rPr kumimoji="1" lang="en-US" altLang="ja-JP" sz="1800" b="0" kern="1200" dirty="0" smtClean="0">
+                          <a:solidFill>
+                            <a:schemeClr val="tx1"/>
+                          </a:solidFill>
+                          <a:effectLst/>
+                          <a:latin typeface="+mn-lt"/>
+                          <a:ea typeface="+mn-ea"/>
+                          <a:cs typeface="+mn-cs"/>
+                        </a:rPr>
+                        <a:t>’ + </a:t>
+                      </a:r>
+                      <a:r>
+                        <a:rPr kumimoji="1" lang="en-US" altLang="ja-JP" sz="1800" b="0" kern="1200" dirty="0" err="1" smtClean="0">
+                          <a:solidFill>
+                            <a:schemeClr val="tx1"/>
+                          </a:solidFill>
+                          <a:effectLst/>
+                          <a:latin typeface="+mn-lt"/>
+                          <a:ea typeface="+mn-ea"/>
+                          <a:cs typeface="+mn-cs"/>
+                        </a:rPr>
+                        <a:t>str</a:t>
+                      </a:r>
+                      <a:r>
+                        <a:rPr kumimoji="1" lang="ja-JP" altLang="en-US" sz="1800" b="0" kern="1200" dirty="0" smtClean="0">
+                          <a:solidFill>
+                            <a:schemeClr val="tx1"/>
+                          </a:solidFill>
+                          <a:effectLst/>
+                          <a:latin typeface="+mn-lt"/>
+                          <a:ea typeface="+mn-ea"/>
+                          <a:cs typeface="+mn-cs"/>
+                        </a:rPr>
+                        <a:t>（</a:t>
+                      </a:r>
+                      <a:r>
+                        <a:rPr kumimoji="1" lang="en-US" altLang="ja-JP" sz="1800" b="0" kern="1200" dirty="0" err="1" smtClean="0">
+                          <a:solidFill>
+                            <a:schemeClr val="tx1"/>
+                          </a:solidFill>
+                          <a:effectLst/>
+                          <a:latin typeface="+mn-lt"/>
+                          <a:ea typeface="+mn-ea"/>
+                          <a:cs typeface="+mn-cs"/>
+                        </a:rPr>
+                        <a:t>i</a:t>
+                      </a:r>
+                      <a:r>
+                        <a:rPr kumimoji="1" lang="ja-JP" altLang="en-US" sz="1800" b="0" kern="1200" dirty="0" smtClean="0">
+                          <a:solidFill>
+                            <a:schemeClr val="tx1"/>
+                          </a:solidFill>
+                          <a:effectLst/>
+                          <a:latin typeface="+mn-lt"/>
+                          <a:ea typeface="+mn-ea"/>
+                          <a:cs typeface="+mn-cs"/>
+                        </a:rPr>
+                        <a:t>） </a:t>
+                      </a:r>
+                      <a:r>
+                        <a:rPr kumimoji="1" lang="en-US" altLang="ja-JP" sz="1800" b="0" kern="1200" dirty="0" smtClean="0">
+                          <a:solidFill>
+                            <a:schemeClr val="tx1"/>
+                          </a:solidFill>
+                          <a:effectLst/>
+                          <a:latin typeface="+mn-lt"/>
+                          <a:ea typeface="+mn-ea"/>
+                          <a:cs typeface="+mn-cs"/>
+                        </a:rPr>
+                        <a:t>+ ’.csv'</a:t>
+                      </a:r>
+                    </a:p>
+                    <a:p>
+                      <a:r>
+                        <a:rPr kumimoji="1" lang="en-US" altLang="ja-JP" sz="1800" b="0" kern="1200" dirty="0" smtClean="0">
+                          <a:solidFill>
+                            <a:schemeClr val="tx1"/>
+                          </a:solidFill>
+                          <a:effectLst/>
+                          <a:latin typeface="+mn-lt"/>
+                          <a:ea typeface="+mn-ea"/>
+                          <a:cs typeface="+mn-cs"/>
+                        </a:rPr>
+                        <a:t>        with open(</a:t>
+                      </a:r>
+                      <a:r>
+                        <a:rPr kumimoji="1" lang="en-US" altLang="ja-JP" sz="1800" b="0" kern="1200" dirty="0" err="1" smtClean="0">
+                          <a:solidFill>
+                            <a:schemeClr val="tx1"/>
+                          </a:solidFill>
+                          <a:effectLst/>
+                          <a:latin typeface="+mn-lt"/>
+                          <a:ea typeface="+mn-ea"/>
+                          <a:cs typeface="+mn-cs"/>
+                        </a:rPr>
+                        <a:t>file_path</a:t>
+                      </a:r>
+                      <a:r>
+                        <a:rPr kumimoji="1" lang="en-US" altLang="ja-JP" sz="1800" b="0" kern="1200" dirty="0" smtClean="0">
+                          <a:solidFill>
+                            <a:schemeClr val="tx1"/>
+                          </a:solidFill>
+                          <a:effectLst/>
+                          <a:latin typeface="+mn-lt"/>
+                          <a:ea typeface="+mn-ea"/>
+                          <a:cs typeface="+mn-cs"/>
+                        </a:rPr>
+                        <a:t>, 'w') as f:</a:t>
+                      </a:r>
+                    </a:p>
+                    <a:p>
+                      <a:r>
+                        <a:rPr kumimoji="1" lang="en-US" altLang="ja-JP" sz="1800" b="0" kern="1200" dirty="0" smtClean="0">
+                          <a:solidFill>
+                            <a:schemeClr val="tx1"/>
+                          </a:solidFill>
+                          <a:effectLst/>
+                          <a:latin typeface="+mn-lt"/>
+                          <a:ea typeface="+mn-ea"/>
+                          <a:cs typeface="+mn-cs"/>
+                        </a:rPr>
+                        <a:t>          writer = </a:t>
+                      </a:r>
+                      <a:r>
+                        <a:rPr kumimoji="1" lang="en-US" altLang="ja-JP" sz="1800" b="0" kern="1200" dirty="0" err="1" smtClean="0">
+                          <a:solidFill>
+                            <a:schemeClr val="tx1"/>
+                          </a:solidFill>
+                          <a:effectLst/>
+                          <a:latin typeface="+mn-lt"/>
+                          <a:ea typeface="+mn-ea"/>
+                          <a:cs typeface="+mn-cs"/>
+                        </a:rPr>
+                        <a:t>csv.writer</a:t>
+                      </a:r>
+                      <a:r>
+                        <a:rPr kumimoji="1" lang="en-US" altLang="ja-JP" sz="1800" b="0" kern="1200" dirty="0" smtClean="0">
+                          <a:solidFill>
+                            <a:schemeClr val="tx1"/>
+                          </a:solidFill>
+                          <a:effectLst/>
+                          <a:latin typeface="+mn-lt"/>
+                          <a:ea typeface="+mn-ea"/>
+                          <a:cs typeface="+mn-cs"/>
+                        </a:rPr>
+                        <a:t>(f)</a:t>
+                      </a:r>
+                    </a:p>
+                    <a:p>
+                      <a:r>
+                        <a:rPr kumimoji="1" lang="en-US" altLang="ja-JP" sz="1800" b="0" kern="1200" dirty="0" smtClean="0">
+                          <a:solidFill>
+                            <a:schemeClr val="tx1"/>
+                          </a:solidFill>
+                          <a:effectLst/>
+                          <a:latin typeface="+mn-lt"/>
+                          <a:ea typeface="+mn-ea"/>
+                          <a:cs typeface="+mn-cs"/>
+                        </a:rPr>
+                        <a:t>          </a:t>
+                      </a:r>
+                      <a:r>
+                        <a:rPr kumimoji="1" lang="en-US" altLang="ja-JP" sz="1800" b="0" kern="1200" dirty="0" err="1" smtClean="0">
+                          <a:solidFill>
+                            <a:schemeClr val="tx1"/>
+                          </a:solidFill>
+                          <a:effectLst/>
+                          <a:latin typeface="+mn-lt"/>
+                          <a:ea typeface="+mn-ea"/>
+                          <a:cs typeface="+mn-cs"/>
+                        </a:rPr>
+                        <a:t>writer.writerows</a:t>
+                      </a:r>
+                      <a:r>
+                        <a:rPr kumimoji="1" lang="en-US" altLang="ja-JP" sz="1800" b="0" kern="1200" dirty="0" smtClean="0">
+                          <a:solidFill>
+                            <a:schemeClr val="tx1"/>
+                          </a:solidFill>
+                          <a:effectLst/>
+                          <a:latin typeface="+mn-lt"/>
+                          <a:ea typeface="+mn-ea"/>
+                          <a:cs typeface="+mn-cs"/>
+                        </a:rPr>
+                        <a:t>(</a:t>
+                      </a:r>
+                      <a:r>
+                        <a:rPr kumimoji="1" lang="en-US" altLang="ja-JP" sz="1800" b="0" kern="1200" dirty="0" err="1" smtClean="0">
+                          <a:solidFill>
+                            <a:schemeClr val="tx1"/>
+                          </a:solidFill>
+                          <a:effectLst/>
+                          <a:latin typeface="+mn-lt"/>
+                          <a:ea typeface="+mn-ea"/>
+                          <a:cs typeface="+mn-cs"/>
+                        </a:rPr>
+                        <a:t>fifteen_layer</a:t>
+                      </a:r>
+                      <a:r>
+                        <a:rPr kumimoji="1" lang="en-US" altLang="ja-JP" sz="1800" b="0" kern="1200" dirty="0" smtClean="0">
+                          <a:solidFill>
+                            <a:schemeClr val="tx1"/>
+                          </a:solidFill>
+                          <a:effectLst/>
+                          <a:latin typeface="+mn-lt"/>
+                          <a:ea typeface="+mn-ea"/>
+                          <a:cs typeface="+mn-cs"/>
+                        </a:rPr>
+                        <a:t>)</a:t>
+                      </a:r>
+                    </a:p>
+                    <a:p>
+                      <a:endParaRPr kumimoji="1" lang="ja-JP" altLang="en-US" dirty="0"/>
+                    </a:p>
+                  </a:txBody>
+                  <a:tcPr/>
+                </a:tc>
+                <a:extLst>
+                  <a:ext uri="{0D108BD9-81ED-4DB2-BD59-A6C34878D82A}">
+                    <a16:rowId xmlns:a16="http://schemas.microsoft.com/office/drawing/2014/main" val="3692473257"/>
+                  </a:ext>
+                </a:extLst>
+              </a:tr>
+              <a:tr h="280211">
+                <a:tc>
+                  <a:txBody>
+                    <a:bodyPr/>
+                    <a:lstStyle/>
+                    <a:p>
+                      <a:endParaRPr kumimoji="1" lang="ja-JP" altLang="en-US" dirty="0"/>
+                    </a:p>
+                  </a:txBody>
+                  <a:tcPr/>
+                </a:tc>
+                <a:extLst>
+                  <a:ext uri="{0D108BD9-81ED-4DB2-BD59-A6C34878D82A}">
+                    <a16:rowId xmlns:a16="http://schemas.microsoft.com/office/drawing/2014/main" val="3841305920"/>
+                  </a:ext>
+                </a:extLst>
+              </a:tr>
+            </a:tbl>
+          </a:graphicData>
+        </a:graphic>
+      </p:graphicFrame>
     </p:spTree>
     <p:extLst>
       <p:ext uri="{BB962C8B-B14F-4D97-AF65-F5344CB8AC3E}">
@@ -6672,11 +7069,11 @@
   <p:clrMapOvr>
     <a:masterClrMapping/>
   </p:clrMapOvr>
-  <mc:AlternateContent xmlns:mc="http://schemas.openxmlformats.org/markup-compatibility/2006">
-    <mc:Choice xmlns:p14="http://schemas.microsoft.com/office/powerpoint/2010/main" Requires="p14">
+  <mc:AlternateContent xmlns:mc="http://schemas.openxmlformats.org/markup-compatibility/2006" xmlns:p14="http://schemas.microsoft.com/office/powerpoint/2010/main">
+    <mc:Choice Requires="p14">
       <p:transition spd="slow" p14:dur="2000"/>
     </mc:Choice>
-    <mc:Fallback>
+    <mc:Fallback xmlns="">
       <p:transition spd="slow"/>
     </mc:Fallback>
   </mc:AlternateContent>
@@ -6722,11 +7119,7 @@
           <a:bodyPr/>
           <a:lstStyle/>
           <a:p>
-            <a:r>
-              <a:rPr kumimoji="1" lang="ja-JP" altLang="en-US" dirty="0" smtClean="0"/>
-              <a:t>課題点</a:t>
-            </a:r>
-            <a:endParaRPr kumimoji="1" lang="ja-JP" altLang="en-US" dirty="0"/>
+            <a:endParaRPr kumimoji="1" lang="ja-JP" altLang="en-US"/>
           </a:p>
         </p:txBody>
       </p:sp>
@@ -6745,23 +7138,7 @@
           <a:bodyPr/>
           <a:lstStyle/>
           <a:p>
-            <a:r>
-              <a:rPr kumimoji="1" lang="ja-JP" altLang="en-US" dirty="0" smtClean="0"/>
-              <a:t>実際に，抽出したベクトルがどのような情報を持っているのか．</a:t>
-            </a:r>
-            <a:endParaRPr kumimoji="1" lang="en-US" altLang="ja-JP" dirty="0" smtClean="0"/>
-          </a:p>
-          <a:p>
-            <a:pPr lvl="1"/>
-            <a:r>
-              <a:rPr lang="ja-JP" altLang="en-US" dirty="0"/>
-              <a:t>どの様に調べる</a:t>
-            </a:r>
-            <a:r>
-              <a:rPr lang="ja-JP" altLang="en-US" dirty="0" smtClean="0"/>
-              <a:t>か．</a:t>
-            </a:r>
-            <a:endParaRPr kumimoji="1" lang="en-US" altLang="ja-JP" dirty="0" smtClean="0"/>
+            <a:endParaRPr kumimoji="1" lang="ja-JP" altLang="en-US"/>
           </a:p>
         </p:txBody>
       </p:sp>
@@ -6791,20 +7168,13 @@
     </p:spTree>
     <p:extLst>
       <p:ext uri="{BB962C8B-B14F-4D97-AF65-F5344CB8AC3E}">
-        <p14:creationId xmlns:p14="http://schemas.microsoft.com/office/powerpoint/2010/main" val="2434178047"/>
+        <p14:creationId xmlns:p14="http://schemas.microsoft.com/office/powerpoint/2010/main" val="950403176"/>
       </p:ext>
     </p:extLst>
   </p:cSld>
   <p:clrMapOvr>
     <a:masterClrMapping/>
   </p:clrMapOvr>
-  <p:timing>
-    <p:tnLst>
-      <p:par>
-        <p:cTn id="1" dur="indefinite" restart="never" nodeType="tmRoot"/>
-      </p:par>
-    </p:tnLst>
-  </p:timing>
 </p:sld>
 </file>
 

--- a/ゼミ発表資料/1821005_1115.pptx
+++ b/ゼミ発表資料/1821005_1115.pptx
@@ -5,7 +5,7 @@
     <p:sldMasterId id="2147483660" r:id="rId1"/>
   </p:sldMasterIdLst>
   <p:notesMasterIdLst>
-    <p:notesMasterId r:id="rId22"/>
+    <p:notesMasterId r:id="rId23"/>
   </p:notesMasterIdLst>
   <p:sldIdLst>
     <p:sldId id="256" r:id="rId2"/>
@@ -15,19 +15,20 @@
     <p:sldId id="269" r:id="rId6"/>
     <p:sldId id="260" r:id="rId7"/>
     <p:sldId id="263" r:id="rId8"/>
-    <p:sldId id="265" r:id="rId9"/>
-    <p:sldId id="266" r:id="rId10"/>
-    <p:sldId id="262" r:id="rId11"/>
-    <p:sldId id="264" r:id="rId12"/>
-    <p:sldId id="267" r:id="rId13"/>
-    <p:sldId id="271" r:id="rId14"/>
-    <p:sldId id="272" r:id="rId15"/>
-    <p:sldId id="273" r:id="rId16"/>
-    <p:sldId id="274" r:id="rId17"/>
-    <p:sldId id="275" r:id="rId18"/>
-    <p:sldId id="277" r:id="rId19"/>
-    <p:sldId id="278" r:id="rId20"/>
-    <p:sldId id="279" r:id="rId21"/>
+    <p:sldId id="280" r:id="rId9"/>
+    <p:sldId id="265" r:id="rId10"/>
+    <p:sldId id="266" r:id="rId11"/>
+    <p:sldId id="262" r:id="rId12"/>
+    <p:sldId id="264" r:id="rId13"/>
+    <p:sldId id="267" r:id="rId14"/>
+    <p:sldId id="271" r:id="rId15"/>
+    <p:sldId id="272" r:id="rId16"/>
+    <p:sldId id="273" r:id="rId17"/>
+    <p:sldId id="274" r:id="rId18"/>
+    <p:sldId id="275" r:id="rId19"/>
+    <p:sldId id="277" r:id="rId20"/>
+    <p:sldId id="278" r:id="rId21"/>
+    <p:sldId id="279" r:id="rId22"/>
   </p:sldIdLst>
   <p:sldSz cx="9144000" cy="6858000" type="screen4x3"/>
   <p:notesSz cx="6858000" cy="9144000"/>
@@ -736,7 +737,7 @@
           <a:p>
             <a:fld id="{9D828324-DCC9-430F-AD2C-1DD1805E2C40}" type="slidenum">
               <a:rPr kumimoji="1" lang="ja-JP" altLang="en-US" smtClean="0"/>
-              <a:t>9</a:t>
+              <a:t>10</a:t>
             </a:fld>
             <a:endParaRPr kumimoji="1" lang="ja-JP" altLang="en-US"/>
           </a:p>
@@ -3945,8 +3946,9 @@
           <a:p>
             <a:r>
               <a:rPr kumimoji="1" lang="en-US" altLang="ja-JP" dirty="0" smtClean="0"/>
-              <a:t>2021/11/08</a:t>
-            </a:r>
+              <a:t>2021/11/15</a:t>
+            </a:r>
+            <a:endParaRPr kumimoji="1" lang="en-US" altLang="ja-JP" dirty="0" smtClean="0"/>
           </a:p>
           <a:p>
             <a:r>
@@ -4036,6 +4038,292 @@
           <a:lstStyle/>
           <a:p>
             <a:r>
+              <a:rPr lang="ja-JP" altLang="en-US" dirty="0"/>
+              <a:t>研究の方法</a:t>
+            </a:r>
+            <a:endParaRPr kumimoji="1" lang="ja-JP" altLang="en-US" dirty="0"/>
+          </a:p>
+        </p:txBody>
+      </p:sp>
+      <mc:AlternateContent xmlns:mc="http://schemas.openxmlformats.org/markup-compatibility/2006" xmlns:a14="http://schemas.microsoft.com/office/drawing/2010/main">
+        <mc:Choice Requires="a14">
+          <p:sp>
+            <p:nvSpPr>
+              <p:cNvPr id="3" name="コンテンツ プレースホルダー 2"/>
+              <p:cNvSpPr>
+                <a:spLocks noGrp="1"/>
+              </p:cNvSpPr>
+              <p:nvPr>
+                <p:ph idx="1"/>
+              </p:nvPr>
+            </p:nvSpPr>
+            <p:spPr>
+              <a:xfrm>
+                <a:off x="628650" y="1961147"/>
+                <a:ext cx="7886700" cy="4186990"/>
+              </a:xfrm>
+            </p:spPr>
+            <p:txBody>
+              <a:bodyPr>
+                <a:normAutofit fontScale="77500" lnSpcReduction="20000"/>
+              </a:bodyPr>
+              <a:lstStyle/>
+              <a:p>
+                <a:r>
+                  <a:rPr lang="ja-JP" altLang="en-US" dirty="0" smtClean="0"/>
+                  <a:t>画像認識の認識性能を高く保ち</a:t>
+                </a:r>
+                <a:r>
+                  <a:rPr lang="ja-JP" altLang="en-US" dirty="0"/>
+                  <a:t>，</a:t>
+                </a:r>
+                <a:r>
+                  <a:rPr lang="ja-JP" altLang="en-US" dirty="0" smtClean="0"/>
+                  <a:t>計算</a:t>
+                </a:r>
+                <a:r>
+                  <a:rPr lang="ja-JP" altLang="en-US" dirty="0"/>
+                  <a:t>コストを抑える最適な画像特徴ベクトルの次元数を調査</a:t>
+                </a:r>
+                <a:r>
+                  <a:rPr lang="ja-JP" altLang="en-US" dirty="0" smtClean="0"/>
+                  <a:t>する</a:t>
+                </a:r>
+                <a:r>
+                  <a:rPr lang="ja-JP" altLang="en-US" dirty="0"/>
+                  <a:t>．</a:t>
+                </a:r>
+                <a:endParaRPr lang="en-US" altLang="ja-JP" dirty="0"/>
+              </a:p>
+              <a:p>
+                <a:endParaRPr lang="en-US" altLang="ja-JP" dirty="0"/>
+              </a:p>
+              <a:p>
+                <a:r>
+                  <a:rPr lang="ja-JP" altLang="en-US" dirty="0"/>
+                  <a:t>画像集合を用意し，</a:t>
+                </a:r>
+                <a:r>
+                  <a:rPr lang="en-US" altLang="ja-JP" dirty="0"/>
+                  <a:t>CNN</a:t>
+                </a:r>
+                <a:r>
+                  <a:rPr lang="ja-JP" altLang="en-US" dirty="0"/>
+                  <a:t>を用いて特徴ベクトルを生成する．</a:t>
+                </a:r>
+                <a:endParaRPr lang="en-US" altLang="ja-JP" dirty="0"/>
+              </a:p>
+              <a:p>
+                <a:r>
+                  <a:rPr kumimoji="1" lang="ja-JP" altLang="en-US" dirty="0"/>
+                  <a:t>特徴ベクトルの次元数を変化させて，画像間の類似度を計算するときの計算コストと精度について評価する．</a:t>
+                </a:r>
+                <a:endParaRPr kumimoji="1" lang="en-US" altLang="ja-JP" dirty="0"/>
+              </a:p>
+              <a:p>
+                <a:endParaRPr kumimoji="1" lang="en-US" altLang="ja-JP" dirty="0"/>
+              </a:p>
+              <a:p>
+                <a:r>
+                  <a:rPr lang="ja-JP" altLang="en-US" dirty="0"/>
+                  <a:t>最適な次元数を見つけるための評価関数を定義する．</a:t>
+                </a:r>
+                <a:endParaRPr lang="en-US" altLang="ja-JP" dirty="0"/>
+              </a:p>
+              <a:p>
+                <a:endParaRPr kumimoji="1" lang="en-US" altLang="ja-JP" dirty="0"/>
+              </a:p>
+              <a:p>
+                <a:pPr marL="0" indent="0">
+                  <a:buNone/>
+                </a:pPr>
+                <a:r>
+                  <a:rPr kumimoji="1" lang="ja-JP" altLang="en-US" dirty="0" smtClean="0"/>
+                  <a:t>評価関数</a:t>
+                </a:r>
+                <a14:m>
+                  <m:oMath xmlns:m="http://schemas.openxmlformats.org/officeDocument/2006/math">
+                    <m:r>
+                      <a:rPr kumimoji="1" lang="en-US" altLang="ja-JP" b="0" i="0" smtClean="0">
+                        <a:latin typeface="Cambria Math" panose="02040503050406030204" pitchFamily="18" charset="0"/>
+                      </a:rPr>
+                      <m:t> </m:t>
+                    </m:r>
+                    <m:r>
+                      <a:rPr kumimoji="1" lang="en-US" altLang="ja-JP" i="1" smtClean="0">
+                        <a:latin typeface="Cambria Math" panose="02040503050406030204" pitchFamily="18" charset="0"/>
+                      </a:rPr>
+                      <m:t>=</m:t>
+                    </m:r>
+                    <m:r>
+                      <a:rPr kumimoji="1" lang="en-US" altLang="ja-JP" b="0" i="1" smtClean="0">
+                        <a:latin typeface="Cambria Math" panose="02040503050406030204" pitchFamily="18" charset="0"/>
+                      </a:rPr>
+                      <m:t>𝐸</m:t>
+                    </m:r>
+                    <m:r>
+                      <a:rPr kumimoji="1" lang="en-US" altLang="ja-JP" b="0" i="1" smtClean="0">
+                        <a:latin typeface="Cambria Math" panose="02040503050406030204" pitchFamily="18" charset="0"/>
+                      </a:rPr>
+                      <m:t>(</m:t>
+                    </m:r>
+                    <m:r>
+                      <a:rPr lang="ja-JP" altLang="en-US" i="1">
+                        <a:latin typeface="Cambria Math" panose="02040503050406030204" pitchFamily="18" charset="0"/>
+                      </a:rPr>
+                      <m:t>次元数</m:t>
+                    </m:r>
+                    <m:r>
+                      <a:rPr lang="ja-JP" altLang="en-US" i="1" smtClean="0">
+                        <a:latin typeface="Cambria Math" panose="02040503050406030204" pitchFamily="18" charset="0"/>
+                      </a:rPr>
+                      <m:t>，</m:t>
+                    </m:r>
+                    <m:r>
+                      <a:rPr lang="ja-JP" altLang="en-US" i="1">
+                        <a:latin typeface="Cambria Math" panose="02040503050406030204" pitchFamily="18" charset="0"/>
+                      </a:rPr>
+                      <m:t>認識精度</m:t>
+                    </m:r>
+                    <m:r>
+                      <a:rPr lang="ja-JP" altLang="en-US" i="1" smtClean="0">
+                        <a:latin typeface="Cambria Math" panose="02040503050406030204" pitchFamily="18" charset="0"/>
+                      </a:rPr>
+                      <m:t>，</m:t>
+                    </m:r>
+                    <m:r>
+                      <a:rPr lang="ja-JP" altLang="en-US" i="1">
+                        <a:latin typeface="Cambria Math" panose="02040503050406030204" pitchFamily="18" charset="0"/>
+                      </a:rPr>
+                      <m:t>計算コスト</m:t>
+                    </m:r>
+                    <m:r>
+                      <a:rPr kumimoji="1" lang="en-US" altLang="ja-JP" b="0" i="1" smtClean="0">
+                        <a:latin typeface="Cambria Math" panose="02040503050406030204" pitchFamily="18" charset="0"/>
+                      </a:rPr>
+                      <m:t>)</m:t>
+                    </m:r>
+                  </m:oMath>
+                </a14:m>
+                <a:endParaRPr kumimoji="1" lang="en-US" altLang="ja-JP" dirty="0"/>
+              </a:p>
+            </p:txBody>
+          </p:sp>
+        </mc:Choice>
+        <mc:Fallback xmlns="">
+          <p:sp>
+            <p:nvSpPr>
+              <p:cNvPr id="3" name="コンテンツ プレースホルダー 2"/>
+              <p:cNvSpPr>
+                <a:spLocks noGrp="1" noRot="1" noChangeAspect="1" noMove="1" noResize="1" noEditPoints="1" noAdjustHandles="1" noChangeArrowheads="1" noChangeShapeType="1" noTextEdit="1"/>
+              </p:cNvSpPr>
+              <p:nvPr>
+                <p:ph idx="1"/>
+              </p:nvPr>
+            </p:nvSpPr>
+            <p:spPr>
+              <a:xfrm>
+                <a:off x="628650" y="1961147"/>
+                <a:ext cx="7886700" cy="4186990"/>
+              </a:xfrm>
+              <a:blipFill>
+                <a:blip r:embed="rId3"/>
+                <a:stretch>
+                  <a:fillRect l="-1005" t="-2911" r="-1314"/>
+                </a:stretch>
+              </a:blipFill>
+            </p:spPr>
+            <p:txBody>
+              <a:bodyPr/>
+              <a:lstStyle/>
+              <a:p>
+                <a:r>
+                  <a:rPr lang="ja-JP" altLang="en-US">
+                    <a:noFill/>
+                  </a:rPr>
+                  <a:t> </a:t>
+                </a:r>
+              </a:p>
+            </p:txBody>
+          </p:sp>
+        </mc:Fallback>
+      </mc:AlternateContent>
+      <p:sp>
+        <p:nvSpPr>
+          <p:cNvPr id="4" name="スライド番号プレースホルダー 3"/>
+          <p:cNvSpPr>
+            <a:spLocks noGrp="1"/>
+          </p:cNvSpPr>
+          <p:nvPr>
+            <p:ph type="sldNum" sz="quarter" idx="12"/>
+          </p:nvPr>
+        </p:nvSpPr>
+        <p:spPr/>
+        <p:txBody>
+          <a:bodyPr/>
+          <a:lstStyle/>
+          <a:p>
+            <a:fld id="{B4451160-128F-4DAD-AE29-4A8CC0E7B9E9}" type="slidenum">
+              <a:rPr kumimoji="1" lang="ja-JP" altLang="en-US" sz="3200" smtClean="0"/>
+              <a:t>10</a:t>
+            </a:fld>
+            <a:endParaRPr kumimoji="1" lang="ja-JP" altLang="en-US" sz="3200" dirty="0"/>
+          </a:p>
+        </p:txBody>
+      </p:sp>
+    </p:spTree>
+    <p:extLst>
+      <p:ext uri="{BB962C8B-B14F-4D97-AF65-F5344CB8AC3E}">
+        <p14:creationId xmlns:p14="http://schemas.microsoft.com/office/powerpoint/2010/main" val="1260124372"/>
+      </p:ext>
+    </p:extLst>
+  </p:cSld>
+  <p:clrMapOvr>
+    <a:masterClrMapping/>
+  </p:clrMapOvr>
+  <p:timing>
+    <p:tnLst>
+      <p:par>
+        <p:cTn id="1" dur="indefinite" restart="never" nodeType="tmRoot"/>
+      </p:par>
+    </p:tnLst>
+  </p:timing>
+</p:sld>
+</file>
+
+<file path=ppt/slides/slide11.xml><?xml version="1.0" encoding="utf-8"?>
+<p:sld xmlns:a="http://schemas.openxmlformats.org/drawingml/2006/main" xmlns:r="http://schemas.openxmlformats.org/officeDocument/2006/relationships" xmlns:p="http://schemas.openxmlformats.org/presentationml/2006/main">
+  <p:cSld>
+    <p:spTree>
+      <p:nvGrpSpPr>
+        <p:cNvPr id="1" name=""/>
+        <p:cNvGrpSpPr/>
+        <p:nvPr/>
+      </p:nvGrpSpPr>
+      <p:grpSpPr>
+        <a:xfrm>
+          <a:off x="0" y="0"/>
+          <a:ext cx="0" cy="0"/>
+          <a:chOff x="0" y="0"/>
+          <a:chExt cx="0" cy="0"/>
+        </a:xfrm>
+      </p:grpSpPr>
+      <p:sp>
+        <p:nvSpPr>
+          <p:cNvPr id="2" name="タイトル 1"/>
+          <p:cNvSpPr>
+            <a:spLocks noGrp="1"/>
+          </p:cNvSpPr>
+          <p:nvPr>
+            <p:ph type="title"/>
+          </p:nvPr>
+        </p:nvSpPr>
+        <p:spPr/>
+        <p:txBody>
+          <a:bodyPr/>
+          <a:lstStyle/>
+          <a:p>
+            <a:r>
               <a:rPr kumimoji="1" lang="ja-JP" altLang="en-US" dirty="0" smtClean="0"/>
               <a:t>特徴ベクトル</a:t>
             </a:r>
@@ -4161,7 +4449,7 @@
           <a:p>
             <a:fld id="{BCFEE6ED-AA2C-49EB-A172-8063C2D7D298}" type="slidenum">
               <a:rPr kumimoji="1" lang="ja-JP" altLang="en-US" smtClean="0"/>
-              <a:t>10</a:t>
+              <a:t>11</a:t>
             </a:fld>
             <a:endParaRPr kumimoji="1" lang="ja-JP" altLang="en-US"/>
           </a:p>
@@ -4382,7 +4670,7 @@
 </p:sld>
 </file>
 
-<file path=ppt/slides/slide11.xml><?xml version="1.0" encoding="utf-8"?>
+<file path=ppt/slides/slide12.xml><?xml version="1.0" encoding="utf-8"?>
 <p:sld xmlns:a="http://schemas.openxmlformats.org/drawingml/2006/main" xmlns:r="http://schemas.openxmlformats.org/officeDocument/2006/relationships" xmlns:p="http://schemas.openxmlformats.org/presentationml/2006/main">
   <p:cSld>
     <p:spTree>
@@ -4530,7 +4818,7 @@
           <a:p>
             <a:fld id="{768BF403-63E9-4BE6-AA0B-408C483EA9DC}" type="slidenum">
               <a:rPr kumimoji="1" lang="ja-JP" altLang="en-US" smtClean="0"/>
-              <a:t>11</a:t>
+              <a:t>12</a:t>
             </a:fld>
             <a:endParaRPr kumimoji="1" lang="ja-JP" altLang="en-US"/>
           </a:p>
@@ -4540,136 +4828,6 @@
     <p:extLst>
       <p:ext uri="{BB962C8B-B14F-4D97-AF65-F5344CB8AC3E}">
         <p14:creationId xmlns:p14="http://schemas.microsoft.com/office/powerpoint/2010/main" val="3424580741"/>
-      </p:ext>
-    </p:extLst>
-  </p:cSld>
-  <p:clrMapOvr>
-    <a:masterClrMapping/>
-  </p:clrMapOvr>
-  <p:timing>
-    <p:tnLst>
-      <p:par>
-        <p:cTn id="1" dur="indefinite" restart="never" nodeType="tmRoot"/>
-      </p:par>
-    </p:tnLst>
-  </p:timing>
-</p:sld>
-</file>
-
-<file path=ppt/slides/slide12.xml><?xml version="1.0" encoding="utf-8"?>
-<p:sld xmlns:a="http://schemas.openxmlformats.org/drawingml/2006/main" xmlns:r="http://schemas.openxmlformats.org/officeDocument/2006/relationships" xmlns:p="http://schemas.openxmlformats.org/presentationml/2006/main">
-  <p:cSld>
-    <p:spTree>
-      <p:nvGrpSpPr>
-        <p:cNvPr id="1" name=""/>
-        <p:cNvGrpSpPr/>
-        <p:nvPr/>
-      </p:nvGrpSpPr>
-      <p:grpSpPr>
-        <a:xfrm>
-          <a:off x="0" y="0"/>
-          <a:ext cx="0" cy="0"/>
-          <a:chOff x="0" y="0"/>
-          <a:chExt cx="0" cy="0"/>
-        </a:xfrm>
-      </p:grpSpPr>
-      <p:sp>
-        <p:nvSpPr>
-          <p:cNvPr id="2" name="タイトル 1"/>
-          <p:cNvSpPr>
-            <a:spLocks noGrp="1"/>
-          </p:cNvSpPr>
-          <p:nvPr>
-            <p:ph type="title"/>
-          </p:nvPr>
-        </p:nvSpPr>
-        <p:spPr/>
-        <p:txBody>
-          <a:bodyPr/>
-          <a:lstStyle/>
-          <a:p>
-            <a:r>
-              <a:rPr lang="ja-JP" altLang="en-US" dirty="0"/>
-              <a:t>使用したモデル</a:t>
-            </a:r>
-            <a:endParaRPr kumimoji="1" lang="ja-JP" altLang="en-US" dirty="0"/>
-          </a:p>
-        </p:txBody>
-      </p:sp>
-      <p:sp>
-        <p:nvSpPr>
-          <p:cNvPr id="3" name="コンテンツ プレースホルダー 2"/>
-          <p:cNvSpPr>
-            <a:spLocks noGrp="1"/>
-          </p:cNvSpPr>
-          <p:nvPr>
-            <p:ph idx="1"/>
-          </p:nvPr>
-        </p:nvSpPr>
-        <p:spPr/>
-        <p:txBody>
-          <a:bodyPr/>
-          <a:lstStyle/>
-          <a:p>
-            <a:r>
-              <a:rPr kumimoji="1" lang="ja-JP" altLang="en-US" dirty="0" smtClean="0"/>
-              <a:t>使用したモデル</a:t>
-            </a:r>
-            <a:endParaRPr kumimoji="1" lang="ja-JP" altLang="en-US" dirty="0"/>
-          </a:p>
-        </p:txBody>
-      </p:sp>
-      <p:pic>
-        <p:nvPicPr>
-          <p:cNvPr id="4" name="図 3"/>
-          <p:cNvPicPr>
-            <a:picLocks noChangeAspect="1"/>
-          </p:cNvPicPr>
-          <p:nvPr/>
-        </p:nvPicPr>
-        <p:blipFill>
-          <a:blip r:embed="rId2"/>
-          <a:stretch>
-            <a:fillRect/>
-          </a:stretch>
-        </p:blipFill>
-        <p:spPr>
-          <a:xfrm>
-            <a:off x="628650" y="3342033"/>
-            <a:ext cx="5992061" cy="2629267"/>
-          </a:xfrm>
-          <a:prstGeom prst="rect">
-            <a:avLst/>
-          </a:prstGeom>
-        </p:spPr>
-      </p:pic>
-      <p:sp>
-        <p:nvSpPr>
-          <p:cNvPr id="5" name="スライド番号プレースホルダー 4"/>
-          <p:cNvSpPr>
-            <a:spLocks noGrp="1"/>
-          </p:cNvSpPr>
-          <p:nvPr>
-            <p:ph type="sldNum" sz="quarter" idx="12"/>
-          </p:nvPr>
-        </p:nvSpPr>
-        <p:spPr/>
-        <p:txBody>
-          <a:bodyPr/>
-          <a:lstStyle/>
-          <a:p>
-            <a:fld id="{768BF403-63E9-4BE6-AA0B-408C483EA9DC}" type="slidenum">
-              <a:rPr kumimoji="1" lang="ja-JP" altLang="en-US" smtClean="0"/>
-              <a:t>12</a:t>
-            </a:fld>
-            <a:endParaRPr kumimoji="1" lang="ja-JP" altLang="en-US"/>
-          </a:p>
-        </p:txBody>
-      </p:sp>
-    </p:spTree>
-    <p:extLst>
-      <p:ext uri="{BB962C8B-B14F-4D97-AF65-F5344CB8AC3E}">
-        <p14:creationId xmlns:p14="http://schemas.microsoft.com/office/powerpoint/2010/main" val="1561538588"/>
       </p:ext>
     </p:extLst>
   </p:cSld>
@@ -4719,178 +4877,63 @@
           <a:lstStyle/>
           <a:p>
             <a:r>
-              <a:rPr kumimoji="1" lang="en-US" altLang="ja-JP" dirty="0" err="1" smtClean="0"/>
-              <a:t>Alexnet</a:t>
-            </a:r>
+              <a:rPr lang="ja-JP" altLang="en-US" dirty="0"/>
+              <a:t>使用したモデル</a:t>
+            </a:r>
+            <a:endParaRPr kumimoji="1" lang="ja-JP" altLang="en-US" dirty="0"/>
+          </a:p>
+        </p:txBody>
+      </p:sp>
+      <p:sp>
+        <p:nvSpPr>
+          <p:cNvPr id="3" name="コンテンツ プレースホルダー 2"/>
+          <p:cNvSpPr>
+            <a:spLocks noGrp="1"/>
+          </p:cNvSpPr>
+          <p:nvPr>
+            <p:ph idx="1"/>
+          </p:nvPr>
+        </p:nvSpPr>
+        <p:spPr/>
+        <p:txBody>
+          <a:bodyPr/>
+          <a:lstStyle/>
+          <a:p>
             <a:r>
               <a:rPr kumimoji="1" lang="ja-JP" altLang="en-US" dirty="0" smtClean="0"/>
-              <a:t>のモデル作成</a:t>
+              <a:t>使用したモデル</a:t>
             </a:r>
             <a:endParaRPr kumimoji="1" lang="ja-JP" altLang="en-US" dirty="0"/>
           </a:p>
         </p:txBody>
       </p:sp>
-      <p:sp>
-        <p:nvSpPr>
-          <p:cNvPr id="3" name="コンテンツ プレースホルダー 2"/>
-          <p:cNvSpPr>
-            <a:spLocks noGrp="1"/>
-          </p:cNvSpPr>
-          <p:nvPr>
-            <p:ph idx="1"/>
-          </p:nvPr>
-        </p:nvSpPr>
-        <p:spPr/>
-        <p:txBody>
-          <a:bodyPr>
-            <a:normAutofit lnSpcReduction="10000"/>
-          </a:bodyPr>
-          <a:lstStyle/>
-          <a:p>
-            <a:r>
-              <a:rPr lang="en-US" altLang="ja-JP" dirty="0" err="1" smtClean="0"/>
-              <a:t>Alexnet</a:t>
-            </a:r>
-            <a:r>
-              <a:rPr lang="ja-JP" altLang="en-US" dirty="0" smtClean="0"/>
-              <a:t>について</a:t>
-            </a:r>
-            <a:endParaRPr lang="en-US" altLang="ja-JP" dirty="0" smtClean="0"/>
-          </a:p>
-          <a:p>
-            <a:pPr lvl="1"/>
-            <a:r>
-              <a:rPr lang="en-US" altLang="ja-JP" dirty="0" smtClean="0"/>
-              <a:t>2012</a:t>
-            </a:r>
-            <a:r>
-              <a:rPr lang="ja-JP" altLang="en-US" dirty="0"/>
-              <a:t>年の</a:t>
-            </a:r>
-            <a:r>
-              <a:rPr lang="en-US" altLang="ja-JP" dirty="0"/>
-              <a:t>ImageNet</a:t>
-            </a:r>
-            <a:r>
-              <a:rPr lang="ja-JP" altLang="en-US" dirty="0"/>
-              <a:t>を用いた画像認識コンペ</a:t>
-            </a:r>
-            <a:r>
-              <a:rPr lang="en-US" altLang="ja-JP" dirty="0"/>
-              <a:t>ILSVRC</a:t>
-            </a:r>
-            <a:r>
-              <a:rPr lang="ja-JP" altLang="en-US" dirty="0"/>
-              <a:t>でチャンピオンに輝き，</a:t>
-            </a:r>
-            <a:r>
-              <a:rPr lang="en-US" altLang="ja-JP" dirty="0"/>
-              <a:t>Deep Learning</a:t>
-            </a:r>
-            <a:r>
-              <a:rPr lang="ja-JP" altLang="en-US" dirty="0"/>
-              <a:t>の火付け役となった</a:t>
-            </a:r>
-            <a:r>
-              <a:rPr lang="ja-JP" altLang="en-US" dirty="0" smtClean="0"/>
-              <a:t>モデル．</a:t>
-            </a:r>
-            <a:endParaRPr lang="en-US" altLang="ja-JP" dirty="0" smtClean="0"/>
-          </a:p>
-          <a:p>
-            <a:pPr lvl="1"/>
-            <a:r>
-              <a:rPr lang="en-US" altLang="ja-JP" dirty="0" smtClean="0"/>
-              <a:t>5</a:t>
-            </a:r>
-            <a:r>
-              <a:rPr lang="ja-JP" altLang="en-US" dirty="0" err="1"/>
-              <a:t>つの</a:t>
-            </a:r>
-            <a:r>
-              <a:rPr lang="ja-JP" altLang="en-US" dirty="0" smtClean="0"/>
-              <a:t>畳み込み層</a:t>
-            </a:r>
-            <a:r>
-              <a:rPr lang="ja-JP" altLang="en-US" dirty="0"/>
-              <a:t>，</a:t>
-            </a:r>
-            <a:r>
-              <a:rPr lang="en-US" altLang="ja-JP" dirty="0"/>
-              <a:t>3</a:t>
-            </a:r>
-            <a:r>
-              <a:rPr lang="ja-JP" altLang="en-US" dirty="0" err="1"/>
-              <a:t>つの</a:t>
-            </a:r>
-            <a:r>
-              <a:rPr lang="ja-JP" altLang="en-US" dirty="0"/>
-              <a:t>全結合層などから構成</a:t>
-            </a:r>
-            <a:r>
-              <a:rPr lang="ja-JP" altLang="en-US" dirty="0" smtClean="0"/>
-              <a:t>されて</a:t>
-            </a:r>
-            <a:r>
-              <a:rPr lang="ja-JP" altLang="en-US" dirty="0"/>
-              <a:t>いる</a:t>
-            </a:r>
-            <a:r>
-              <a:rPr lang="ja-JP" altLang="en-US" dirty="0" smtClean="0"/>
-              <a:t>．</a:t>
-            </a:r>
-            <a:endParaRPr lang="en-US" altLang="ja-JP" dirty="0" smtClean="0"/>
-          </a:p>
-          <a:p>
-            <a:endParaRPr kumimoji="1" lang="en-US" altLang="ja-JP" dirty="0" smtClean="0"/>
-          </a:p>
-          <a:p>
-            <a:r>
-              <a:rPr kumimoji="1" lang="ja-JP" altLang="en-US" dirty="0" smtClean="0"/>
-              <a:t>下記のサイトを参考に作成</a:t>
-            </a:r>
-            <a:endParaRPr kumimoji="1" lang="en-US" altLang="ja-JP" dirty="0"/>
-          </a:p>
-          <a:p>
-            <a:pPr lvl="1"/>
-            <a:r>
-              <a:rPr lang="en-US" altLang="ja-JP" dirty="0">
-                <a:hlinkClick r:id="rId2"/>
-              </a:rPr>
-              <a:t>https://</a:t>
-            </a:r>
-            <a:r>
-              <a:rPr lang="en-US" altLang="ja-JP" dirty="0" smtClean="0">
-                <a:hlinkClick r:id="rId2"/>
-              </a:rPr>
-              <a:t>qiita.com/URAN110/items/ea2bfc8f7ba2fc858de3</a:t>
-            </a:r>
-            <a:endParaRPr lang="en-US" altLang="ja-JP" dirty="0" smtClean="0"/>
-          </a:p>
-          <a:p>
-            <a:r>
-              <a:rPr lang="ja-JP" altLang="en-US" dirty="0"/>
-              <a:t>学習に</a:t>
-            </a:r>
-            <a:r>
-              <a:rPr lang="ja-JP" altLang="en-US" dirty="0" smtClean="0"/>
-              <a:t>は，</a:t>
-            </a:r>
-            <a:r>
-              <a:rPr lang="en-US" altLang="ja-JP" dirty="0" smtClean="0"/>
-              <a:t>Cifar10</a:t>
-            </a:r>
-            <a:r>
-              <a:rPr lang="ja-JP" altLang="en-US" dirty="0" smtClean="0"/>
-              <a:t>を使用．</a:t>
-            </a:r>
-            <a:endParaRPr lang="en-US" altLang="ja-JP" dirty="0" smtClean="0"/>
-          </a:p>
-        </p:txBody>
-      </p:sp>
-      <p:sp>
-        <p:nvSpPr>
-          <p:cNvPr id="4" name="スライド番号プレースホルダー 3"/>
+      <p:pic>
+        <p:nvPicPr>
+          <p:cNvPr id="4" name="図 3"/>
+          <p:cNvPicPr>
+            <a:picLocks noChangeAspect="1"/>
+          </p:cNvPicPr>
+          <p:nvPr/>
+        </p:nvPicPr>
+        <p:blipFill>
+          <a:blip r:embed="rId2"/>
+          <a:stretch>
+            <a:fillRect/>
+          </a:stretch>
+        </p:blipFill>
+        <p:spPr>
+          <a:xfrm>
+            <a:off x="628650" y="3342033"/>
+            <a:ext cx="5992061" cy="2629267"/>
+          </a:xfrm>
+          <a:prstGeom prst="rect">
+            <a:avLst/>
+          </a:prstGeom>
+        </p:spPr>
+      </p:pic>
+      <p:sp>
+        <p:nvSpPr>
+          <p:cNvPr id="5" name="スライド番号プレースホルダー 4"/>
           <p:cNvSpPr>
             <a:spLocks noGrp="1"/>
           </p:cNvSpPr>
@@ -4914,7 +4957,7 @@
     </p:spTree>
     <p:extLst>
       <p:ext uri="{BB962C8B-B14F-4D97-AF65-F5344CB8AC3E}">
-        <p14:creationId xmlns:p14="http://schemas.microsoft.com/office/powerpoint/2010/main" val="1140017668"/>
+        <p14:creationId xmlns:p14="http://schemas.microsoft.com/office/powerpoint/2010/main" val="1561538588"/>
       </p:ext>
     </p:extLst>
   </p:cSld>
@@ -4948,35 +4991,194 @@
           <a:chExt cx="0" cy="0"/>
         </a:xfrm>
       </p:grpSpPr>
-      <p:pic>
-        <p:nvPicPr>
-          <p:cNvPr id="4" name="コンテンツ プレースホルダー 3"/>
-          <p:cNvPicPr>
-            <a:picLocks noGrp="1"/>
-          </p:cNvPicPr>
+      <p:sp>
+        <p:nvSpPr>
+          <p:cNvPr id="2" name="タイトル 1"/>
+          <p:cNvSpPr>
+            <a:spLocks noGrp="1"/>
+          </p:cNvSpPr>
+          <p:nvPr>
+            <p:ph type="title"/>
+          </p:nvPr>
+        </p:nvSpPr>
+        <p:spPr/>
+        <p:txBody>
+          <a:bodyPr/>
+          <a:lstStyle/>
+          <a:p>
+            <a:r>
+              <a:rPr kumimoji="1" lang="en-US" altLang="ja-JP" dirty="0" err="1" smtClean="0"/>
+              <a:t>Alexnet</a:t>
+            </a:r>
+            <a:r>
+              <a:rPr kumimoji="1" lang="ja-JP" altLang="en-US" dirty="0" smtClean="0"/>
+              <a:t>のモデル作成</a:t>
+            </a:r>
+            <a:endParaRPr kumimoji="1" lang="ja-JP" altLang="en-US" dirty="0"/>
+          </a:p>
+        </p:txBody>
+      </p:sp>
+      <p:sp>
+        <p:nvSpPr>
+          <p:cNvPr id="3" name="コンテンツ プレースホルダー 2"/>
+          <p:cNvSpPr>
+            <a:spLocks noGrp="1"/>
+          </p:cNvSpPr>
           <p:nvPr>
             <p:ph idx="1"/>
           </p:nvPr>
-        </p:nvPicPr>
-        <p:blipFill>
-          <a:blip r:embed="rId2"/>
-          <a:stretch>
-            <a:fillRect/>
-          </a:stretch>
-        </p:blipFill>
-        <p:spPr>
-          <a:xfrm>
-            <a:off x="1588168" y="108283"/>
-            <a:ext cx="6003758" cy="6641433"/>
-          </a:xfrm>
-          <a:prstGeom prst="rect">
-            <a:avLst/>
-          </a:prstGeom>
-        </p:spPr>
-      </p:pic>
-      <p:sp>
-        <p:nvSpPr>
-          <p:cNvPr id="2" name="スライド番号プレースホルダー 1"/>
+        </p:nvSpPr>
+        <p:spPr/>
+        <p:txBody>
+          <a:bodyPr>
+            <a:normAutofit lnSpcReduction="10000"/>
+          </a:bodyPr>
+          <a:lstStyle/>
+          <a:p>
+            <a:r>
+              <a:rPr lang="en-US" altLang="ja-JP" dirty="0" err="1" smtClean="0"/>
+              <a:t>Alexnet</a:t>
+            </a:r>
+            <a:r>
+              <a:rPr lang="ja-JP" altLang="en-US" dirty="0" smtClean="0"/>
+              <a:t>について</a:t>
+            </a:r>
+            <a:endParaRPr lang="en-US" altLang="ja-JP" dirty="0" smtClean="0"/>
+          </a:p>
+          <a:p>
+            <a:pPr lvl="1"/>
+            <a:r>
+              <a:rPr lang="en-US" altLang="ja-JP" dirty="0" smtClean="0"/>
+              <a:t>2012</a:t>
+            </a:r>
+            <a:r>
+              <a:rPr lang="ja-JP" altLang="en-US" dirty="0"/>
+              <a:t>年の</a:t>
+            </a:r>
+            <a:r>
+              <a:rPr lang="en-US" altLang="ja-JP" dirty="0"/>
+              <a:t>ImageNet</a:t>
+            </a:r>
+            <a:r>
+              <a:rPr lang="ja-JP" altLang="en-US" dirty="0"/>
+              <a:t>を用いた画像認識コンペ</a:t>
+            </a:r>
+            <a:r>
+              <a:rPr lang="en-US" altLang="ja-JP" dirty="0"/>
+              <a:t>ILSVRC</a:t>
+            </a:r>
+            <a:r>
+              <a:rPr lang="ja-JP" altLang="en-US" dirty="0"/>
+              <a:t>でチャンピオンに輝き，</a:t>
+            </a:r>
+            <a:r>
+              <a:rPr lang="en-US" altLang="ja-JP" dirty="0"/>
+              <a:t>Deep Learning</a:t>
+            </a:r>
+            <a:r>
+              <a:rPr lang="ja-JP" altLang="en-US" dirty="0"/>
+              <a:t>の火付け役となった</a:t>
+            </a:r>
+            <a:r>
+              <a:rPr lang="ja-JP" altLang="en-US" dirty="0" smtClean="0"/>
+              <a:t>モデル．</a:t>
+            </a:r>
+            <a:endParaRPr lang="en-US" altLang="ja-JP" dirty="0" smtClean="0"/>
+          </a:p>
+          <a:p>
+            <a:pPr lvl="1"/>
+            <a:r>
+              <a:rPr lang="en-US" altLang="ja-JP" dirty="0" smtClean="0"/>
+              <a:t>5</a:t>
+            </a:r>
+            <a:r>
+              <a:rPr lang="ja-JP" altLang="en-US" dirty="0" err="1"/>
+              <a:t>つの</a:t>
+            </a:r>
+            <a:r>
+              <a:rPr lang="ja-JP" altLang="en-US" dirty="0" smtClean="0"/>
+              <a:t>畳み込み層</a:t>
+            </a:r>
+            <a:r>
+              <a:rPr lang="ja-JP" altLang="en-US" dirty="0"/>
+              <a:t>，</a:t>
+            </a:r>
+            <a:r>
+              <a:rPr lang="en-US" altLang="ja-JP" dirty="0"/>
+              <a:t>3</a:t>
+            </a:r>
+            <a:r>
+              <a:rPr lang="ja-JP" altLang="en-US" dirty="0" err="1"/>
+              <a:t>つの</a:t>
+            </a:r>
+            <a:r>
+              <a:rPr lang="ja-JP" altLang="en-US" dirty="0"/>
+              <a:t>全結合層などから構成</a:t>
+            </a:r>
+            <a:r>
+              <a:rPr lang="ja-JP" altLang="en-US" dirty="0" smtClean="0"/>
+              <a:t>されて</a:t>
+            </a:r>
+            <a:r>
+              <a:rPr lang="ja-JP" altLang="en-US" dirty="0"/>
+              <a:t>いる</a:t>
+            </a:r>
+            <a:r>
+              <a:rPr lang="ja-JP" altLang="en-US" dirty="0" smtClean="0"/>
+              <a:t>．</a:t>
+            </a:r>
+            <a:endParaRPr lang="en-US" altLang="ja-JP" dirty="0" smtClean="0"/>
+          </a:p>
+          <a:p>
+            <a:endParaRPr kumimoji="1" lang="en-US" altLang="ja-JP" dirty="0" smtClean="0"/>
+          </a:p>
+          <a:p>
+            <a:r>
+              <a:rPr kumimoji="1" lang="ja-JP" altLang="en-US" dirty="0" smtClean="0"/>
+              <a:t>下記のサイトを参考に作成</a:t>
+            </a:r>
+            <a:endParaRPr kumimoji="1" lang="en-US" altLang="ja-JP" dirty="0"/>
+          </a:p>
+          <a:p>
+            <a:pPr lvl="1"/>
+            <a:r>
+              <a:rPr lang="en-US" altLang="ja-JP" dirty="0">
+                <a:hlinkClick r:id="rId2"/>
+              </a:rPr>
+              <a:t>https://</a:t>
+            </a:r>
+            <a:r>
+              <a:rPr lang="en-US" altLang="ja-JP" dirty="0" smtClean="0">
+                <a:hlinkClick r:id="rId2"/>
+              </a:rPr>
+              <a:t>qiita.com/URAN110/items/ea2bfc8f7ba2fc858de3</a:t>
+            </a:r>
+            <a:endParaRPr lang="en-US" altLang="ja-JP" dirty="0" smtClean="0"/>
+          </a:p>
+          <a:p>
+            <a:r>
+              <a:rPr lang="ja-JP" altLang="en-US" dirty="0"/>
+              <a:t>学習に</a:t>
+            </a:r>
+            <a:r>
+              <a:rPr lang="ja-JP" altLang="en-US" dirty="0" smtClean="0"/>
+              <a:t>は，</a:t>
+            </a:r>
+            <a:r>
+              <a:rPr lang="en-US" altLang="ja-JP" dirty="0" smtClean="0"/>
+              <a:t>Cifar10</a:t>
+            </a:r>
+            <a:r>
+              <a:rPr lang="ja-JP" altLang="en-US" dirty="0" smtClean="0"/>
+              <a:t>を使用．</a:t>
+            </a:r>
+            <a:endParaRPr lang="en-US" altLang="ja-JP" dirty="0" smtClean="0"/>
+          </a:p>
+        </p:txBody>
+      </p:sp>
+      <p:sp>
+        <p:nvSpPr>
+          <p:cNvPr id="4" name="スライド番号プレースホルダー 3"/>
           <p:cNvSpPr>
             <a:spLocks noGrp="1"/>
           </p:cNvSpPr>
@@ -5000,7 +5202,7 @@
     </p:spTree>
     <p:extLst>
       <p:ext uri="{BB962C8B-B14F-4D97-AF65-F5344CB8AC3E}">
-        <p14:creationId xmlns:p14="http://schemas.microsoft.com/office/powerpoint/2010/main" val="2567360017"/>
+        <p14:creationId xmlns:p14="http://schemas.microsoft.com/office/powerpoint/2010/main" val="1140017668"/>
       </p:ext>
     </p:extLst>
   </p:cSld>
@@ -5044,15 +5246,16 @@
             <p:ph idx="1"/>
           </p:nvPr>
         </p:nvPicPr>
-        <p:blipFill rotWithShape="1">
+        <p:blipFill>
           <a:blip r:embed="rId2"/>
-          <a:srcRect t="61148"/>
-          <a:stretch/>
+          <a:stretch>
+            <a:fillRect/>
+          </a:stretch>
         </p:blipFill>
         <p:spPr>
           <a:xfrm>
-            <a:off x="382755" y="2658978"/>
-            <a:ext cx="8378490" cy="2129589"/>
+            <a:off x="1588168" y="108283"/>
+            <a:ext cx="6003758" cy="6641433"/>
           </a:xfrm>
           <a:prstGeom prst="rect">
             <a:avLst/>
@@ -5061,36 +5264,6 @@
       </p:pic>
       <p:sp>
         <p:nvSpPr>
-          <p:cNvPr id="5" name="テキスト ボックス 4"/>
-          <p:cNvSpPr txBox="1"/>
-          <p:nvPr/>
-        </p:nvSpPr>
-        <p:spPr>
-          <a:xfrm>
-            <a:off x="382755" y="2015066"/>
-            <a:ext cx="5401733" cy="369332"/>
-          </a:xfrm>
-          <a:prstGeom prst="rect">
-            <a:avLst/>
-          </a:prstGeom>
-          <a:noFill/>
-        </p:spPr>
-        <p:txBody>
-          <a:bodyPr wrap="square" rtlCol="0">
-            <a:spAutoFit/>
-          </a:bodyPr>
-          <a:lstStyle/>
-          <a:p>
-            <a:r>
-              <a:rPr kumimoji="1" lang="ja-JP" altLang="en-US" dirty="0" smtClean="0"/>
-              <a:t>作成した学習済みモデルで，予測ベクトルを表示．</a:t>
-            </a:r>
-            <a:endParaRPr kumimoji="1" lang="ja-JP" altLang="en-US" dirty="0"/>
-          </a:p>
-        </p:txBody>
-      </p:sp>
-      <p:sp>
-        <p:nvSpPr>
           <p:cNvPr id="2" name="スライド番号プレースホルダー 1"/>
           <p:cNvSpPr>
             <a:spLocks noGrp="1"/>
@@ -5115,7 +5288,7 @@
     </p:spTree>
     <p:extLst>
       <p:ext uri="{BB962C8B-B14F-4D97-AF65-F5344CB8AC3E}">
-        <p14:creationId xmlns:p14="http://schemas.microsoft.com/office/powerpoint/2010/main" val="1614569651"/>
+        <p14:creationId xmlns:p14="http://schemas.microsoft.com/office/powerpoint/2010/main" val="2567360017"/>
       </p:ext>
     </p:extLst>
   </p:cSld>
@@ -5149,6 +5322,121 @@
           <a:chExt cx="0" cy="0"/>
         </a:xfrm>
       </p:grpSpPr>
+      <p:pic>
+        <p:nvPicPr>
+          <p:cNvPr id="4" name="コンテンツ プレースホルダー 3"/>
+          <p:cNvPicPr>
+            <a:picLocks noGrp="1"/>
+          </p:cNvPicPr>
+          <p:nvPr>
+            <p:ph idx="1"/>
+          </p:nvPr>
+        </p:nvPicPr>
+        <p:blipFill rotWithShape="1">
+          <a:blip r:embed="rId2"/>
+          <a:srcRect t="61148"/>
+          <a:stretch/>
+        </p:blipFill>
+        <p:spPr>
+          <a:xfrm>
+            <a:off x="382755" y="2658978"/>
+            <a:ext cx="8378490" cy="2129589"/>
+          </a:xfrm>
+          <a:prstGeom prst="rect">
+            <a:avLst/>
+          </a:prstGeom>
+        </p:spPr>
+      </p:pic>
+      <p:sp>
+        <p:nvSpPr>
+          <p:cNvPr id="5" name="テキスト ボックス 4"/>
+          <p:cNvSpPr txBox="1"/>
+          <p:nvPr/>
+        </p:nvSpPr>
+        <p:spPr>
+          <a:xfrm>
+            <a:off x="382755" y="2015066"/>
+            <a:ext cx="5401733" cy="369332"/>
+          </a:xfrm>
+          <a:prstGeom prst="rect">
+            <a:avLst/>
+          </a:prstGeom>
+          <a:noFill/>
+        </p:spPr>
+        <p:txBody>
+          <a:bodyPr wrap="square" rtlCol="0">
+            <a:spAutoFit/>
+          </a:bodyPr>
+          <a:lstStyle/>
+          <a:p>
+            <a:r>
+              <a:rPr kumimoji="1" lang="ja-JP" altLang="en-US" dirty="0" smtClean="0"/>
+              <a:t>作成した学習済みモデルで，予測ベクトルを表示．</a:t>
+            </a:r>
+            <a:endParaRPr kumimoji="1" lang="ja-JP" altLang="en-US" dirty="0"/>
+          </a:p>
+        </p:txBody>
+      </p:sp>
+      <p:sp>
+        <p:nvSpPr>
+          <p:cNvPr id="2" name="スライド番号プレースホルダー 1"/>
+          <p:cNvSpPr>
+            <a:spLocks noGrp="1"/>
+          </p:cNvSpPr>
+          <p:nvPr>
+            <p:ph type="sldNum" sz="quarter" idx="12"/>
+          </p:nvPr>
+        </p:nvSpPr>
+        <p:spPr/>
+        <p:txBody>
+          <a:bodyPr/>
+          <a:lstStyle/>
+          <a:p>
+            <a:fld id="{768BF403-63E9-4BE6-AA0B-408C483EA9DC}" type="slidenum">
+              <a:rPr kumimoji="1" lang="ja-JP" altLang="en-US" smtClean="0"/>
+              <a:t>16</a:t>
+            </a:fld>
+            <a:endParaRPr kumimoji="1" lang="ja-JP" altLang="en-US"/>
+          </a:p>
+        </p:txBody>
+      </p:sp>
+    </p:spTree>
+    <p:extLst>
+      <p:ext uri="{BB962C8B-B14F-4D97-AF65-F5344CB8AC3E}">
+        <p14:creationId xmlns:p14="http://schemas.microsoft.com/office/powerpoint/2010/main" val="1614569651"/>
+      </p:ext>
+    </p:extLst>
+  </p:cSld>
+  <p:clrMapOvr>
+    <a:masterClrMapping/>
+  </p:clrMapOvr>
+  <p:timing>
+    <p:tnLst>
+      <p:par>
+        <p:cTn id="1" dur="indefinite" restart="never" nodeType="tmRoot"/>
+      </p:par>
+    </p:tnLst>
+  </p:timing>
+</p:sld>
+</file>
+
+<file path=ppt/slides/slide17.xml><?xml version="1.0" encoding="utf-8"?>
+<p:sld xmlns:a="http://schemas.openxmlformats.org/drawingml/2006/main" xmlns:r="http://schemas.openxmlformats.org/officeDocument/2006/relationships" xmlns:p="http://schemas.openxmlformats.org/presentationml/2006/main">
+  <p:cSld>
+    <p:spTree>
+      <p:nvGrpSpPr>
+        <p:cNvPr id="1" name=""/>
+        <p:cNvGrpSpPr/>
+        <p:nvPr/>
+      </p:nvGrpSpPr>
+      <p:grpSpPr>
+        <a:xfrm>
+          <a:off x="0" y="0"/>
+          <a:ext cx="0" cy="0"/>
+          <a:chOff x="0" y="0"/>
+          <a:chExt cx="0" cy="0"/>
+        </a:xfrm>
+      </p:grpSpPr>
       <p:sp>
         <p:nvSpPr>
           <p:cNvPr id="2" name="タイトル 1"/>
@@ -5258,7 +5546,7 @@
           <a:p>
             <a:fld id="{768BF403-63E9-4BE6-AA0B-408C483EA9DC}" type="slidenum">
               <a:rPr kumimoji="1" lang="ja-JP" altLang="en-US" smtClean="0"/>
-              <a:t>16</a:t>
+              <a:t>17</a:t>
             </a:fld>
             <a:endParaRPr kumimoji="1" lang="ja-JP" altLang="en-US"/>
           </a:p>
@@ -5284,7 +5572,7 @@
 </p:sld>
 </file>
 
-<file path=ppt/slides/slide17.xml><?xml version="1.0" encoding="utf-8"?>
+<file path=ppt/slides/slide18.xml><?xml version="1.0" encoding="utf-8"?>
 <p:sld xmlns:a="http://schemas.openxmlformats.org/drawingml/2006/main" xmlns:r="http://schemas.openxmlformats.org/officeDocument/2006/relationships" xmlns:p="http://schemas.openxmlformats.org/presentationml/2006/main">
   <p:cSld>
     <p:spTree>
@@ -5671,7 +5959,7 @@
           <a:p>
             <a:fld id="{768BF403-63E9-4BE6-AA0B-408C483EA9DC}" type="slidenum">
               <a:rPr kumimoji="1" lang="ja-JP" altLang="en-US" smtClean="0"/>
-              <a:t>17</a:t>
+              <a:t>18</a:t>
             </a:fld>
             <a:endParaRPr kumimoji="1" lang="ja-JP" altLang="en-US"/>
           </a:p>
@@ -5681,164 +5969,6 @@
     <p:extLst>
       <p:ext uri="{BB962C8B-B14F-4D97-AF65-F5344CB8AC3E}">
         <p14:creationId xmlns:p14="http://schemas.microsoft.com/office/powerpoint/2010/main" val="2176068897"/>
-      </p:ext>
-    </p:extLst>
-  </p:cSld>
-  <p:clrMapOvr>
-    <a:masterClrMapping/>
-  </p:clrMapOvr>
-  <p:timing>
-    <p:tnLst>
-      <p:par>
-        <p:cTn id="1" dur="indefinite" restart="never" nodeType="tmRoot"/>
-      </p:par>
-    </p:tnLst>
-  </p:timing>
-</p:sld>
-</file>
-
-<file path=ppt/slides/slide18.xml><?xml version="1.0" encoding="utf-8"?>
-<p:sld xmlns:a="http://schemas.openxmlformats.org/drawingml/2006/main" xmlns:r="http://schemas.openxmlformats.org/officeDocument/2006/relationships" xmlns:p="http://schemas.openxmlformats.org/presentationml/2006/main">
-  <p:cSld>
-    <p:spTree>
-      <p:nvGrpSpPr>
-        <p:cNvPr id="1" name=""/>
-        <p:cNvGrpSpPr/>
-        <p:nvPr/>
-      </p:nvGrpSpPr>
-      <p:grpSpPr>
-        <a:xfrm>
-          <a:off x="0" y="0"/>
-          <a:ext cx="0" cy="0"/>
-          <a:chOff x="0" y="0"/>
-          <a:chExt cx="0" cy="0"/>
-        </a:xfrm>
-      </p:grpSpPr>
-      <p:sp>
-        <p:nvSpPr>
-          <p:cNvPr id="2" name="タイトル 1"/>
-          <p:cNvSpPr>
-            <a:spLocks noGrp="1"/>
-          </p:cNvSpPr>
-          <p:nvPr>
-            <p:ph type="title"/>
-          </p:nvPr>
-        </p:nvSpPr>
-        <p:spPr/>
-        <p:txBody>
-          <a:bodyPr/>
-          <a:lstStyle/>
-          <a:p>
-            <a:r>
-              <a:rPr lang="ja-JP" altLang="en-US" dirty="0"/>
-              <a:t>任意の層</a:t>
-            </a:r>
-            <a:r>
-              <a:rPr lang="ja-JP" altLang="en-US" dirty="0" smtClean="0"/>
-              <a:t>からベクトルを表示</a:t>
-            </a:r>
-            <a:endParaRPr kumimoji="1" lang="ja-JP" altLang="en-US" dirty="0"/>
-          </a:p>
-        </p:txBody>
-      </p:sp>
-      <p:sp>
-        <p:nvSpPr>
-          <p:cNvPr id="3" name="コンテンツ プレースホルダー 2"/>
-          <p:cNvSpPr>
-            <a:spLocks noGrp="1"/>
-          </p:cNvSpPr>
-          <p:nvPr>
-            <p:ph idx="1"/>
-          </p:nvPr>
-        </p:nvSpPr>
-        <p:spPr/>
-        <p:txBody>
-          <a:bodyPr/>
-          <a:lstStyle/>
-          <a:p>
-            <a:r>
-              <a:rPr kumimoji="1" lang="ja-JP" altLang="en-US" dirty="0" smtClean="0"/>
-              <a:t>先週は，すべての層のベクトルを出していた．</a:t>
-            </a:r>
-            <a:endParaRPr kumimoji="1" lang="en-US" altLang="ja-JP" dirty="0" smtClean="0"/>
-          </a:p>
-          <a:p>
-            <a:endParaRPr lang="en-US" altLang="ja-JP" dirty="0"/>
-          </a:p>
-          <a:p>
-            <a:r>
-              <a:rPr kumimoji="1" lang="ja-JP" altLang="en-US" dirty="0" smtClean="0"/>
-              <a:t>今週，指定した層のみのベクトルを抽出することができた．</a:t>
-            </a:r>
-            <a:endParaRPr kumimoji="1" lang="en-US" altLang="ja-JP" dirty="0" smtClean="0"/>
-          </a:p>
-          <a:p>
-            <a:pPr lvl="1"/>
-            <a:endParaRPr lang="en-US" altLang="ja-JP" dirty="0"/>
-          </a:p>
-          <a:p>
-            <a:pPr lvl="1"/>
-            <a:r>
-              <a:rPr lang="en-US" altLang="ja-JP" dirty="0">
-                <a:hlinkClick r:id="rId2"/>
-              </a:rPr>
-              <a:t>1821005-yoshioka-thesis/</a:t>
-            </a:r>
-            <a:r>
-              <a:rPr lang="en-US" altLang="ja-JP" dirty="0" err="1">
-                <a:hlinkClick r:id="rId2"/>
-              </a:rPr>
-              <a:t>pred_vector_storage.ipynb</a:t>
-            </a:r>
-            <a:r>
-              <a:rPr lang="en-US" altLang="ja-JP" dirty="0">
-                <a:hlinkClick r:id="rId2"/>
-              </a:rPr>
-              <a:t> at main · </a:t>
-            </a:r>
-            <a:r>
-              <a:rPr lang="en-US" altLang="ja-JP" dirty="0" err="1">
-                <a:hlinkClick r:id="rId2"/>
-              </a:rPr>
-              <a:t>kait-takanolab</a:t>
-            </a:r>
-            <a:r>
-              <a:rPr lang="en-US" altLang="ja-JP" dirty="0">
-                <a:hlinkClick r:id="rId2"/>
-              </a:rPr>
-              <a:t>/1821005-yoshioka-thesis (github.com)</a:t>
-            </a:r>
-            <a:endParaRPr kumimoji="1" lang="ja-JP" altLang="en-US" dirty="0"/>
-          </a:p>
-        </p:txBody>
-      </p:sp>
-      <p:sp>
-        <p:nvSpPr>
-          <p:cNvPr id="4" name="スライド番号プレースホルダー 3"/>
-          <p:cNvSpPr>
-            <a:spLocks noGrp="1"/>
-          </p:cNvSpPr>
-          <p:nvPr>
-            <p:ph type="sldNum" sz="quarter" idx="12"/>
-          </p:nvPr>
-        </p:nvSpPr>
-        <p:spPr/>
-        <p:txBody>
-          <a:bodyPr/>
-          <a:lstStyle/>
-          <a:p>
-            <a:fld id="{768BF403-63E9-4BE6-AA0B-408C483EA9DC}" type="slidenum">
-              <a:rPr kumimoji="1" lang="ja-JP" altLang="en-US" smtClean="0"/>
-              <a:t>18</a:t>
-            </a:fld>
-            <a:endParaRPr kumimoji="1" lang="ja-JP" altLang="en-US"/>
-          </a:p>
-        </p:txBody>
-      </p:sp>
-    </p:spTree>
-    <p:extLst>
-      <p:ext uri="{BB962C8B-B14F-4D97-AF65-F5344CB8AC3E}">
-        <p14:creationId xmlns:p14="http://schemas.microsoft.com/office/powerpoint/2010/main" val="2674427615"/>
       </p:ext>
     </p:extLst>
   </p:cSld>
@@ -5888,6 +6018,900 @@
           <a:lstStyle/>
           <a:p>
             <a:r>
+              <a:rPr lang="ja-JP" altLang="en-US" dirty="0"/>
+              <a:t>任意の層</a:t>
+            </a:r>
+            <a:r>
+              <a:rPr lang="ja-JP" altLang="en-US" dirty="0" smtClean="0"/>
+              <a:t>からベクトルを表示</a:t>
+            </a:r>
+            <a:endParaRPr kumimoji="1" lang="ja-JP" altLang="en-US" dirty="0"/>
+          </a:p>
+        </p:txBody>
+      </p:sp>
+      <p:sp>
+        <p:nvSpPr>
+          <p:cNvPr id="3" name="コンテンツ プレースホルダー 2"/>
+          <p:cNvSpPr>
+            <a:spLocks noGrp="1"/>
+          </p:cNvSpPr>
+          <p:nvPr>
+            <p:ph idx="1"/>
+          </p:nvPr>
+        </p:nvSpPr>
+        <p:spPr/>
+        <p:txBody>
+          <a:bodyPr/>
+          <a:lstStyle/>
+          <a:p>
+            <a:r>
+              <a:rPr kumimoji="1" lang="ja-JP" altLang="en-US" dirty="0" smtClean="0"/>
+              <a:t>先週は，すべての層のベクトルを出していた．</a:t>
+            </a:r>
+            <a:endParaRPr kumimoji="1" lang="en-US" altLang="ja-JP" dirty="0" smtClean="0"/>
+          </a:p>
+          <a:p>
+            <a:endParaRPr lang="en-US" altLang="ja-JP" dirty="0"/>
+          </a:p>
+          <a:p>
+            <a:r>
+              <a:rPr kumimoji="1" lang="ja-JP" altLang="en-US" dirty="0" smtClean="0"/>
+              <a:t>今週，指定した層のみのベクトルを抽出することができた．</a:t>
+            </a:r>
+            <a:endParaRPr kumimoji="1" lang="en-US" altLang="ja-JP" dirty="0" smtClean="0"/>
+          </a:p>
+          <a:p>
+            <a:pPr lvl="1"/>
+            <a:endParaRPr lang="en-US" altLang="ja-JP" dirty="0"/>
+          </a:p>
+          <a:p>
+            <a:pPr lvl="1"/>
+            <a:r>
+              <a:rPr lang="en-US" altLang="ja-JP" dirty="0">
+                <a:hlinkClick r:id="rId2"/>
+              </a:rPr>
+              <a:t>1821005-yoshioka-thesis/</a:t>
+            </a:r>
+            <a:r>
+              <a:rPr lang="en-US" altLang="ja-JP" dirty="0" err="1">
+                <a:hlinkClick r:id="rId2"/>
+              </a:rPr>
+              <a:t>pred_vector_storage.ipynb</a:t>
+            </a:r>
+            <a:r>
+              <a:rPr lang="en-US" altLang="ja-JP" dirty="0">
+                <a:hlinkClick r:id="rId2"/>
+              </a:rPr>
+              <a:t> at main · </a:t>
+            </a:r>
+            <a:r>
+              <a:rPr lang="en-US" altLang="ja-JP" dirty="0" err="1">
+                <a:hlinkClick r:id="rId2"/>
+              </a:rPr>
+              <a:t>kait-takanolab</a:t>
+            </a:r>
+            <a:r>
+              <a:rPr lang="en-US" altLang="ja-JP" dirty="0">
+                <a:hlinkClick r:id="rId2"/>
+              </a:rPr>
+              <a:t>/1821005-yoshioka-thesis (github.com)</a:t>
+            </a:r>
+            <a:endParaRPr kumimoji="1" lang="ja-JP" altLang="en-US" dirty="0"/>
+          </a:p>
+        </p:txBody>
+      </p:sp>
+      <p:sp>
+        <p:nvSpPr>
+          <p:cNvPr id="4" name="スライド番号プレースホルダー 3"/>
+          <p:cNvSpPr>
+            <a:spLocks noGrp="1"/>
+          </p:cNvSpPr>
+          <p:nvPr>
+            <p:ph type="sldNum" sz="quarter" idx="12"/>
+          </p:nvPr>
+        </p:nvSpPr>
+        <p:spPr/>
+        <p:txBody>
+          <a:bodyPr/>
+          <a:lstStyle/>
+          <a:p>
+            <a:fld id="{768BF403-63E9-4BE6-AA0B-408C483EA9DC}" type="slidenum">
+              <a:rPr kumimoji="1" lang="ja-JP" altLang="en-US" smtClean="0"/>
+              <a:t>19</a:t>
+            </a:fld>
+            <a:endParaRPr kumimoji="1" lang="ja-JP" altLang="en-US"/>
+          </a:p>
+        </p:txBody>
+      </p:sp>
+    </p:spTree>
+    <p:extLst>
+      <p:ext uri="{BB962C8B-B14F-4D97-AF65-F5344CB8AC3E}">
+        <p14:creationId xmlns:p14="http://schemas.microsoft.com/office/powerpoint/2010/main" val="2674427615"/>
+      </p:ext>
+    </p:extLst>
+  </p:cSld>
+  <p:clrMapOvr>
+    <a:masterClrMapping/>
+  </p:clrMapOvr>
+  <p:timing>
+    <p:tnLst>
+      <p:par>
+        <p:cTn id="1" dur="indefinite" restart="never" nodeType="tmRoot"/>
+      </p:par>
+    </p:tnLst>
+  </p:timing>
+</p:sld>
+</file>
+
+<file path=ppt/slides/slide2.xml><?xml version="1.0" encoding="utf-8"?>
+<p:sld xmlns:a="http://schemas.openxmlformats.org/drawingml/2006/main" xmlns:r="http://schemas.openxmlformats.org/officeDocument/2006/relationships" xmlns:p="http://schemas.openxmlformats.org/presentationml/2006/main" show="0">
+  <p:cSld>
+    <p:spTree>
+      <p:nvGrpSpPr>
+        <p:cNvPr id="1" name=""/>
+        <p:cNvGrpSpPr/>
+        <p:nvPr/>
+      </p:nvGrpSpPr>
+      <p:grpSpPr>
+        <a:xfrm>
+          <a:off x="0" y="0"/>
+          <a:ext cx="0" cy="0"/>
+          <a:chOff x="0" y="0"/>
+          <a:chExt cx="0" cy="0"/>
+        </a:xfrm>
+      </p:grpSpPr>
+      <p:sp>
+        <p:nvSpPr>
+          <p:cNvPr id="2" name="タイトル 1"/>
+          <p:cNvSpPr>
+            <a:spLocks noGrp="1"/>
+          </p:cNvSpPr>
+          <p:nvPr>
+            <p:ph type="title"/>
+          </p:nvPr>
+        </p:nvSpPr>
+        <p:spPr/>
+        <p:txBody>
+          <a:bodyPr/>
+          <a:lstStyle/>
+          <a:p>
+            <a:r>
+              <a:rPr kumimoji="1" lang="ja-JP" altLang="en-US" dirty="0"/>
+              <a:t>関連研究</a:t>
+            </a:r>
+          </a:p>
+        </p:txBody>
+      </p:sp>
+      <p:sp>
+        <p:nvSpPr>
+          <p:cNvPr id="3" name="コンテンツ プレースホルダー 2"/>
+          <p:cNvSpPr>
+            <a:spLocks noGrp="1"/>
+          </p:cNvSpPr>
+          <p:nvPr>
+            <p:ph idx="1"/>
+          </p:nvPr>
+        </p:nvSpPr>
+        <p:spPr/>
+        <p:txBody>
+          <a:bodyPr>
+            <a:normAutofit lnSpcReduction="10000"/>
+          </a:bodyPr>
+          <a:lstStyle/>
+          <a:p>
+            <a:r>
+              <a:rPr lang="ja-JP" altLang="en-US" sz="1800" dirty="0">
+                <a:latin typeface="+mj-ea"/>
+                <a:ea typeface="+mj-ea"/>
+              </a:rPr>
+              <a:t>深層学習による画像</a:t>
+            </a:r>
+            <a:r>
+              <a:rPr lang="ja-JP" altLang="en-US" sz="1800" dirty="0" smtClean="0">
+                <a:latin typeface="+mj-ea"/>
+                <a:ea typeface="+mj-ea"/>
+              </a:rPr>
+              <a:t>認識，特徴量抽出</a:t>
+            </a:r>
+            <a:r>
+              <a:rPr lang="en-US" altLang="ja-JP" sz="1800" dirty="0">
+                <a:latin typeface="+mj-ea"/>
+                <a:ea typeface="+mj-ea"/>
+              </a:rPr>
+              <a:t/>
+            </a:r>
+            <a:br>
+              <a:rPr lang="en-US" altLang="ja-JP" sz="1800" dirty="0">
+                <a:latin typeface="+mj-ea"/>
+                <a:ea typeface="+mj-ea"/>
+              </a:rPr>
+            </a:br>
+            <a:r>
+              <a:rPr lang="en-US" altLang="ja-JP" sz="1800" dirty="0">
+                <a:latin typeface="+mj-ea"/>
+                <a:ea typeface="+mj-ea"/>
+              </a:rPr>
+              <a:t>[</a:t>
+            </a:r>
+            <a:r>
+              <a:rPr lang="ja-JP" altLang="en-US" sz="1800" dirty="0">
+                <a:latin typeface="+mj-ea"/>
+                <a:ea typeface="+mj-ea"/>
+              </a:rPr>
+              <a:t>中山</a:t>
+            </a:r>
+            <a:r>
+              <a:rPr lang="en-US" altLang="ja-JP" sz="1800" dirty="0">
+                <a:latin typeface="+mj-ea"/>
+                <a:ea typeface="+mj-ea"/>
+              </a:rPr>
+              <a:t>2015] </a:t>
+            </a:r>
+            <a:r>
+              <a:rPr lang="ja-JP" altLang="en-US" sz="1800" dirty="0">
+                <a:latin typeface="+mj-ea"/>
+                <a:ea typeface="+mj-ea"/>
+              </a:rPr>
+              <a:t>中山秀樹，「深層畳み込みニューラルネットワークによる画像特徴抽出と転移学習」，信学技報，</a:t>
+            </a:r>
+            <a:r>
+              <a:rPr lang="en-US" altLang="ja-JP" sz="1800" dirty="0">
+                <a:latin typeface="+mj-ea"/>
+                <a:ea typeface="+mj-ea"/>
+              </a:rPr>
+              <a:t>pp.1-pp.6</a:t>
+            </a:r>
+            <a:r>
+              <a:rPr lang="ja-JP" altLang="en-US" sz="1800" dirty="0">
+                <a:latin typeface="+mj-ea"/>
+                <a:ea typeface="+mj-ea"/>
+              </a:rPr>
+              <a:t>，</a:t>
+            </a:r>
+            <a:r>
+              <a:rPr lang="en-US" altLang="ja-JP" sz="1800" dirty="0">
+                <a:latin typeface="+mj-ea"/>
+                <a:ea typeface="+mj-ea"/>
+              </a:rPr>
+              <a:t>2015</a:t>
+            </a:r>
+          </a:p>
+          <a:p>
+            <a:endParaRPr kumimoji="1" lang="en-US" altLang="ja-JP" sz="1800" dirty="0">
+              <a:latin typeface="+mj-ea"/>
+              <a:ea typeface="+mj-ea"/>
+            </a:endParaRPr>
+          </a:p>
+          <a:p>
+            <a:r>
+              <a:rPr kumimoji="1" lang="en-US" altLang="ja-JP" sz="1800" dirty="0">
+                <a:latin typeface="+mj-ea"/>
+                <a:ea typeface="+mj-ea"/>
+              </a:rPr>
+              <a:t>SIFT</a:t>
+            </a:r>
+            <a:r>
+              <a:rPr kumimoji="1" lang="ja-JP" altLang="en-US" sz="1800" dirty="0">
+                <a:latin typeface="+mj-ea"/>
+                <a:ea typeface="+mj-ea"/>
+              </a:rPr>
+              <a:t>による画像特徴抽出</a:t>
+            </a:r>
+            <a:r>
+              <a:rPr kumimoji="1" lang="en-US" altLang="ja-JP" sz="1800" dirty="0">
+                <a:latin typeface="+mj-ea"/>
+                <a:ea typeface="+mj-ea"/>
+              </a:rPr>
+              <a:t/>
+            </a:r>
+            <a:br>
+              <a:rPr kumimoji="1" lang="en-US" altLang="ja-JP" sz="1800" dirty="0">
+                <a:latin typeface="+mj-ea"/>
+                <a:ea typeface="+mj-ea"/>
+              </a:rPr>
+            </a:br>
+            <a:r>
+              <a:rPr kumimoji="1" lang="en-US" altLang="ja-JP" sz="1800" dirty="0">
+                <a:latin typeface="+mj-ea"/>
+                <a:ea typeface="+mj-ea"/>
+              </a:rPr>
+              <a:t>[</a:t>
+            </a:r>
+            <a:r>
+              <a:rPr kumimoji="1" lang="ja-JP" altLang="en-US" sz="1800" dirty="0">
+                <a:latin typeface="+mj-ea"/>
+                <a:ea typeface="+mj-ea"/>
+              </a:rPr>
+              <a:t>藤吉</a:t>
+            </a:r>
+            <a:r>
+              <a:rPr kumimoji="1" lang="en-US" altLang="ja-JP" sz="1800" dirty="0">
+                <a:latin typeface="+mj-ea"/>
+                <a:ea typeface="+mj-ea"/>
+              </a:rPr>
+              <a:t>2007</a:t>
+            </a:r>
+            <a:r>
+              <a:rPr kumimoji="1" lang="en-US" altLang="ja-JP" sz="1800" dirty="0" smtClean="0">
+                <a:latin typeface="+mj-ea"/>
+                <a:ea typeface="+mj-ea"/>
+              </a:rPr>
+              <a:t>]</a:t>
+            </a:r>
+            <a:r>
+              <a:rPr kumimoji="1" lang="ja-JP" altLang="en-US" sz="1800" dirty="0" smtClean="0">
+                <a:latin typeface="+mj-ea"/>
+                <a:ea typeface="+mj-ea"/>
+              </a:rPr>
+              <a:t>　</a:t>
+            </a:r>
+            <a:r>
+              <a:rPr lang="ja-JP" altLang="en-US" sz="1800" dirty="0" smtClean="0">
+                <a:latin typeface="+mj-ea"/>
+                <a:ea typeface="+mj-ea"/>
+              </a:rPr>
+              <a:t>藤吉 </a:t>
+            </a:r>
+            <a:r>
+              <a:rPr lang="ja-JP" altLang="en-US" sz="1800" dirty="0">
+                <a:latin typeface="+mj-ea"/>
+                <a:ea typeface="+mj-ea"/>
+              </a:rPr>
+              <a:t>弘</a:t>
+            </a:r>
+            <a:r>
+              <a:rPr lang="ja-JP" altLang="en-US" sz="1800" dirty="0" smtClean="0">
+                <a:latin typeface="+mj-ea"/>
+                <a:ea typeface="+mj-ea"/>
+              </a:rPr>
+              <a:t>亘，</a:t>
+            </a:r>
+            <a:r>
+              <a:rPr kumimoji="1" lang="ja-JP" altLang="en-US" sz="1800" dirty="0" smtClean="0">
+                <a:latin typeface="+mj-ea"/>
+                <a:ea typeface="+mj-ea"/>
+              </a:rPr>
+              <a:t>「</a:t>
+            </a:r>
+            <a:r>
+              <a:rPr kumimoji="1" lang="en-US" altLang="ja-JP" sz="1800" dirty="0">
+                <a:latin typeface="+mj-ea"/>
+                <a:ea typeface="+mj-ea"/>
+              </a:rPr>
+              <a:t>Gradient</a:t>
+            </a:r>
+            <a:r>
+              <a:rPr kumimoji="1" lang="ja-JP" altLang="en-US" sz="1800" dirty="0">
+                <a:latin typeface="+mj-ea"/>
+                <a:ea typeface="+mj-ea"/>
+              </a:rPr>
+              <a:t>ベースの特徴抽出　</a:t>
+            </a:r>
+            <a:r>
+              <a:rPr kumimoji="1" lang="en-US" altLang="ja-JP" sz="1800" dirty="0">
+                <a:latin typeface="+mj-ea"/>
+                <a:ea typeface="+mj-ea"/>
+              </a:rPr>
+              <a:t>–SIFT</a:t>
+            </a:r>
+            <a:r>
+              <a:rPr kumimoji="1" lang="ja-JP" altLang="en-US" sz="1800" dirty="0">
+                <a:latin typeface="+mj-ea"/>
+                <a:ea typeface="+mj-ea"/>
+              </a:rPr>
+              <a:t>と</a:t>
+            </a:r>
+            <a:r>
+              <a:rPr kumimoji="1" lang="en-US" altLang="ja-JP" sz="1800" dirty="0">
+                <a:latin typeface="+mj-ea"/>
+                <a:ea typeface="+mj-ea"/>
+              </a:rPr>
+              <a:t>HOG-</a:t>
+            </a:r>
+            <a:r>
+              <a:rPr kumimoji="1" lang="ja-JP" altLang="en-US" sz="1800" dirty="0" smtClean="0">
+                <a:latin typeface="+mj-ea"/>
+                <a:ea typeface="+mj-ea"/>
+              </a:rPr>
+              <a:t>」</a:t>
+            </a:r>
+            <a:r>
+              <a:rPr lang="ja-JP" altLang="en-US" sz="1800" dirty="0">
+                <a:latin typeface="+mj-ea"/>
+                <a:ea typeface="+mj-ea"/>
+              </a:rPr>
+              <a:t>，</a:t>
+            </a:r>
+            <a:r>
+              <a:rPr kumimoji="1" lang="ja-JP" altLang="en-US" sz="1800" dirty="0" smtClean="0">
+                <a:latin typeface="+mj-ea"/>
+                <a:ea typeface="+mj-ea"/>
+              </a:rPr>
+              <a:t>社団法人　情報</a:t>
+            </a:r>
+            <a:r>
+              <a:rPr kumimoji="1" lang="ja-JP" altLang="en-US" sz="1800" dirty="0">
+                <a:latin typeface="+mj-ea"/>
+                <a:ea typeface="+mj-ea"/>
+              </a:rPr>
+              <a:t>処理学会　研究</a:t>
+            </a:r>
+            <a:r>
+              <a:rPr kumimoji="1" lang="ja-JP" altLang="en-US" sz="1800" dirty="0" smtClean="0">
+                <a:latin typeface="+mj-ea"/>
+                <a:ea typeface="+mj-ea"/>
+              </a:rPr>
+              <a:t>報告，</a:t>
+            </a:r>
+            <a:r>
+              <a:rPr kumimoji="1" lang="en-US" altLang="ja-JP" sz="1800" dirty="0" smtClean="0">
+                <a:latin typeface="+mj-ea"/>
+                <a:ea typeface="+mj-ea"/>
+              </a:rPr>
+              <a:t>pp.1-pp.14</a:t>
+            </a:r>
+            <a:r>
+              <a:rPr lang="ja-JP" altLang="en-US" sz="1800" dirty="0" err="1">
+                <a:latin typeface="+mj-ea"/>
+                <a:ea typeface="+mj-ea"/>
+              </a:rPr>
+              <a:t>，</a:t>
+            </a:r>
+            <a:r>
+              <a:rPr lang="en-US" altLang="ja-JP" sz="1800" dirty="0" smtClean="0">
+                <a:latin typeface="+mj-ea"/>
+              </a:rPr>
+              <a:t>2007/9/4</a:t>
+            </a:r>
+            <a:endParaRPr kumimoji="1" lang="en-US" altLang="ja-JP" sz="1800" dirty="0">
+              <a:latin typeface="+mj-ea"/>
+              <a:ea typeface="+mj-ea"/>
+            </a:endParaRPr>
+          </a:p>
+          <a:p>
+            <a:pPr marL="0" indent="0">
+              <a:buNone/>
+            </a:pPr>
+            <a:r>
+              <a:rPr lang="ja-JP" altLang="en-US" sz="1800" dirty="0">
+                <a:latin typeface="+mj-ea"/>
+                <a:ea typeface="+mj-ea"/>
+              </a:rPr>
+              <a:t>　　</a:t>
+            </a:r>
+            <a:endParaRPr kumimoji="1" lang="en-US" altLang="ja-JP" sz="1800" dirty="0">
+              <a:latin typeface="+mj-ea"/>
+              <a:ea typeface="+mj-ea"/>
+            </a:endParaRPr>
+          </a:p>
+          <a:p>
+            <a:r>
+              <a:rPr lang="ja-JP" altLang="en-US" sz="1800" dirty="0">
+                <a:latin typeface="+mj-ea"/>
+                <a:ea typeface="+mj-ea"/>
+              </a:rPr>
+              <a:t>深層学習と</a:t>
+            </a:r>
+            <a:r>
+              <a:rPr lang="en-US" altLang="ja-JP" sz="1800" dirty="0">
+                <a:latin typeface="+mj-ea"/>
+                <a:ea typeface="+mj-ea"/>
+              </a:rPr>
+              <a:t>SIFT</a:t>
+            </a:r>
+            <a:r>
+              <a:rPr lang="ja-JP" altLang="en-US" sz="1800" dirty="0">
+                <a:latin typeface="+mj-ea"/>
+                <a:ea typeface="+mj-ea"/>
+              </a:rPr>
+              <a:t>の性能評価</a:t>
+            </a:r>
+            <a:r>
+              <a:rPr lang="en-US" altLang="ja-JP" sz="1800" dirty="0">
+                <a:latin typeface="+mj-ea"/>
+                <a:ea typeface="+mj-ea"/>
+              </a:rPr>
+              <a:t/>
+            </a:r>
+            <a:br>
+              <a:rPr lang="en-US" altLang="ja-JP" sz="1800" dirty="0">
+                <a:latin typeface="+mj-ea"/>
+                <a:ea typeface="+mj-ea"/>
+              </a:rPr>
+            </a:br>
+            <a:r>
+              <a:rPr lang="en-US" altLang="ja-JP" sz="1800" dirty="0">
+                <a:latin typeface="+mj-ea"/>
+                <a:ea typeface="+mj-ea"/>
+              </a:rPr>
+              <a:t>[Ke2016</a:t>
+            </a:r>
+            <a:r>
+              <a:rPr lang="en-US" altLang="ja-JP" sz="1800" dirty="0" smtClean="0">
+                <a:latin typeface="+mj-ea"/>
+                <a:ea typeface="+mj-ea"/>
+              </a:rPr>
+              <a:t>]</a:t>
+            </a:r>
+            <a:r>
+              <a:rPr lang="en-US" altLang="ja-JP" sz="1800" dirty="0">
+                <a:latin typeface="+mj-ea"/>
+              </a:rPr>
+              <a:t> </a:t>
+            </a:r>
+            <a:r>
+              <a:rPr lang="en-US" altLang="ja-JP" sz="1800" dirty="0" err="1">
+                <a:latin typeface="+mj-ea"/>
+              </a:rPr>
+              <a:t>Ke</a:t>
+            </a:r>
+            <a:r>
+              <a:rPr lang="en-US" altLang="ja-JP" sz="1800" dirty="0">
+                <a:latin typeface="+mj-ea"/>
+              </a:rPr>
+              <a:t> </a:t>
+            </a:r>
+            <a:r>
+              <a:rPr lang="en-US" altLang="ja-JP" sz="1800" dirty="0" smtClean="0">
+                <a:latin typeface="+mj-ea"/>
+              </a:rPr>
+              <a:t>Yan</a:t>
+            </a:r>
+            <a:r>
+              <a:rPr lang="ja-JP" altLang="en-US" sz="1800" dirty="0" err="1" smtClean="0">
+                <a:latin typeface="+mj-ea"/>
+              </a:rPr>
+              <a:t>，</a:t>
+            </a:r>
+            <a:r>
+              <a:rPr lang="en-US" altLang="ja-JP" sz="1800" dirty="0" err="1" smtClean="0">
+                <a:latin typeface="+mj-ea"/>
+              </a:rPr>
+              <a:t>Yaowei</a:t>
+            </a:r>
+            <a:r>
+              <a:rPr lang="en-US" altLang="ja-JP" sz="1800" dirty="0" smtClean="0">
+                <a:latin typeface="+mj-ea"/>
+              </a:rPr>
+              <a:t> </a:t>
+            </a:r>
+            <a:r>
+              <a:rPr lang="en-US" altLang="ja-JP" sz="1800" dirty="0">
+                <a:latin typeface="+mj-ea"/>
+              </a:rPr>
+              <a:t>Wang</a:t>
+            </a:r>
+            <a:r>
+              <a:rPr lang="en-US" altLang="ja-JP" sz="800" dirty="0" smtClean="0">
+                <a:latin typeface="+mj-ea"/>
+              </a:rPr>
+              <a:t>;</a:t>
+            </a:r>
+            <a:r>
+              <a:rPr lang="ja-JP" altLang="en-US" sz="1800" dirty="0">
+                <a:latin typeface="+mj-ea"/>
+              </a:rPr>
+              <a:t>，</a:t>
+            </a:r>
+            <a:r>
+              <a:rPr lang="en-US" altLang="ja-JP" sz="1800" dirty="0" smtClean="0">
+                <a:latin typeface="+mj-ea"/>
+              </a:rPr>
+              <a:t> </a:t>
+            </a:r>
+            <a:r>
+              <a:rPr lang="en-US" altLang="ja-JP" sz="1800" dirty="0" err="1">
+                <a:latin typeface="+mj-ea"/>
+              </a:rPr>
+              <a:t>Dawei</a:t>
+            </a:r>
+            <a:r>
+              <a:rPr lang="en-US" altLang="ja-JP" sz="1800" dirty="0">
+                <a:latin typeface="+mj-ea"/>
+              </a:rPr>
+              <a:t> </a:t>
+            </a:r>
+            <a:r>
+              <a:rPr lang="en-US" altLang="ja-JP" sz="1800" dirty="0" smtClean="0">
+                <a:latin typeface="+mj-ea"/>
+              </a:rPr>
+              <a:t>Liang</a:t>
+            </a:r>
+            <a:r>
+              <a:rPr lang="ja-JP" altLang="en-US" sz="1800" dirty="0" err="1" smtClean="0">
+                <a:latin typeface="+mj-ea"/>
+              </a:rPr>
+              <a:t>，</a:t>
+            </a:r>
+            <a:r>
+              <a:rPr lang="en-US" altLang="ja-JP" sz="1800" dirty="0" smtClean="0">
+                <a:latin typeface="+mj-ea"/>
+              </a:rPr>
+              <a:t> </a:t>
+            </a:r>
+            <a:r>
+              <a:rPr lang="en-US" altLang="ja-JP" sz="1800" dirty="0" err="1">
+                <a:latin typeface="+mj-ea"/>
+              </a:rPr>
+              <a:t>Tiejun</a:t>
+            </a:r>
+            <a:r>
+              <a:rPr lang="en-US" altLang="ja-JP" sz="1800" dirty="0">
+                <a:latin typeface="+mj-ea"/>
+              </a:rPr>
+              <a:t> </a:t>
+            </a:r>
+            <a:r>
+              <a:rPr lang="en-US" altLang="ja-JP" sz="1800" dirty="0" smtClean="0">
+                <a:latin typeface="+mj-ea"/>
+              </a:rPr>
+              <a:t>Huang</a:t>
+            </a:r>
+            <a:r>
+              <a:rPr lang="ja-JP" altLang="en-US" sz="1800" dirty="0" err="1" smtClean="0">
+                <a:latin typeface="+mj-ea"/>
+              </a:rPr>
+              <a:t>，</a:t>
+            </a:r>
+            <a:r>
+              <a:rPr lang="en-US" altLang="ja-JP" sz="1800" dirty="0" err="1" smtClean="0">
+                <a:latin typeface="+mj-ea"/>
+              </a:rPr>
+              <a:t>Yonghong</a:t>
+            </a:r>
+            <a:r>
+              <a:rPr lang="en-US" altLang="ja-JP" sz="1800" dirty="0" smtClean="0">
+                <a:latin typeface="+mj-ea"/>
+              </a:rPr>
+              <a:t> Tian</a:t>
+            </a:r>
+            <a:r>
+              <a:rPr lang="ja-JP" altLang="en-US" sz="1800" dirty="0" smtClean="0">
+                <a:latin typeface="+mj-ea"/>
+                <a:ea typeface="+mj-ea"/>
+              </a:rPr>
+              <a:t>「</a:t>
+            </a:r>
+            <a:r>
+              <a:rPr lang="en-US" altLang="ja-JP" sz="1800" dirty="0">
+                <a:latin typeface="+mj-ea"/>
+                <a:ea typeface="+mj-ea"/>
+              </a:rPr>
+              <a:t>CNN vs. SIFT for Image Retrieval: Alternative or</a:t>
+            </a:r>
+            <a:r>
+              <a:rPr lang="ja-JP" altLang="en-US" sz="1800" dirty="0">
+                <a:latin typeface="+mj-ea"/>
+                <a:ea typeface="+mj-ea"/>
+              </a:rPr>
+              <a:t> </a:t>
+            </a:r>
+            <a:r>
+              <a:rPr lang="en-US" altLang="ja-JP" sz="1800" dirty="0">
+                <a:latin typeface="+mj-ea"/>
+                <a:ea typeface="+mj-ea"/>
+              </a:rPr>
+              <a:t>Complementary?</a:t>
+            </a:r>
+            <a:r>
+              <a:rPr lang="ja-JP" altLang="en-US" sz="1800" dirty="0" smtClean="0">
+                <a:latin typeface="+mj-ea"/>
+                <a:ea typeface="+mj-ea"/>
+              </a:rPr>
+              <a:t>」，</a:t>
+            </a:r>
+            <a:r>
+              <a:rPr lang="en-US" altLang="ja-JP" sz="1800" dirty="0">
+                <a:solidFill>
+                  <a:srgbClr val="333333"/>
+                </a:solidFill>
+                <a:latin typeface="+mj-ea"/>
+              </a:rPr>
+              <a:t> </a:t>
+            </a:r>
+          </a:p>
+          <a:p>
+            <a:pPr marL="0" indent="0" algn="just">
+              <a:buNone/>
+            </a:pPr>
+            <a:r>
+              <a:rPr lang="ja-JP" altLang="en-US" sz="1800" dirty="0" smtClean="0">
+                <a:solidFill>
+                  <a:srgbClr val="333333"/>
+                </a:solidFill>
+                <a:latin typeface="+mj-ea"/>
+              </a:rPr>
+              <a:t>　</a:t>
+            </a:r>
+            <a:r>
+              <a:rPr lang="en-US" altLang="ja-JP" sz="1800" dirty="0" smtClean="0">
+                <a:solidFill>
+                  <a:srgbClr val="333333"/>
+                </a:solidFill>
+                <a:latin typeface="+mj-ea"/>
+              </a:rPr>
+              <a:t>MM </a:t>
+            </a:r>
+            <a:r>
+              <a:rPr lang="en-US" altLang="ja-JP" sz="1800" dirty="0">
+                <a:solidFill>
+                  <a:srgbClr val="333333"/>
+                </a:solidFill>
+                <a:latin typeface="+mj-ea"/>
+              </a:rPr>
+              <a:t>‘16: Proceedings of the 24th ACM international </a:t>
+            </a:r>
+            <a:r>
+              <a:rPr lang="en-US" altLang="ja-JP" sz="1800" dirty="0" smtClean="0">
+                <a:solidFill>
+                  <a:srgbClr val="333333"/>
+                </a:solidFill>
+                <a:latin typeface="+mj-ea"/>
+              </a:rPr>
+              <a:t>conference </a:t>
+            </a:r>
+            <a:r>
+              <a:rPr lang="en-US" altLang="ja-JP" sz="1800" dirty="0">
+                <a:solidFill>
+                  <a:srgbClr val="333333"/>
+                </a:solidFill>
+                <a:latin typeface="+mj-ea"/>
+              </a:rPr>
+              <a:t>on </a:t>
+            </a:r>
+            <a:r>
+              <a:rPr lang="en-US" altLang="ja-JP" sz="1800" dirty="0" smtClean="0">
+                <a:solidFill>
+                  <a:srgbClr val="333333"/>
+                </a:solidFill>
+                <a:latin typeface="+mj-ea"/>
+              </a:rPr>
+              <a:t>Multimedia</a:t>
+            </a:r>
+            <a:r>
+              <a:rPr lang="ja-JP" altLang="en-US" sz="1800" dirty="0" err="1" smtClean="0">
+                <a:solidFill>
+                  <a:srgbClr val="333333"/>
+                </a:solidFill>
+                <a:latin typeface="+mj-ea"/>
+              </a:rPr>
+              <a:t>，</a:t>
+            </a:r>
+            <a:r>
+              <a:rPr lang="en-US" altLang="ja-JP" sz="1800" dirty="0" smtClean="0">
+                <a:solidFill>
+                  <a:srgbClr val="333333"/>
+                </a:solidFill>
+                <a:latin typeface="+mj-ea"/>
+              </a:rPr>
+              <a:t>pp.407-pp.411</a:t>
+            </a:r>
+            <a:r>
+              <a:rPr lang="ja-JP" altLang="en-US" sz="1800" dirty="0" err="1" smtClean="0">
+                <a:solidFill>
+                  <a:srgbClr val="333333"/>
+                </a:solidFill>
+                <a:latin typeface="+mj-ea"/>
+              </a:rPr>
+              <a:t>，</a:t>
+            </a:r>
+            <a:r>
+              <a:rPr kumimoji="1" lang="en-US" altLang="ja-JP" sz="1800" dirty="0" smtClean="0">
+                <a:latin typeface="+mj-ea"/>
+                <a:ea typeface="+mj-ea"/>
+              </a:rPr>
+              <a:t>2016/10/01 </a:t>
+            </a:r>
+            <a:endParaRPr lang="en-US" altLang="ja-JP" sz="1800" dirty="0">
+              <a:solidFill>
+                <a:srgbClr val="333333"/>
+              </a:solidFill>
+              <a:latin typeface="+mj-ea"/>
+              <a:ea typeface="+mj-ea"/>
+            </a:endParaRPr>
+          </a:p>
+          <a:p>
+            <a:pPr marL="0" indent="0">
+              <a:buNone/>
+            </a:pPr>
+            <a:r>
+              <a:rPr lang="ja-JP" altLang="en-US" sz="1800" dirty="0">
+                <a:latin typeface="+mj-ea"/>
+                <a:ea typeface="+mj-ea"/>
+              </a:rPr>
+              <a:t>　　</a:t>
+            </a:r>
+            <a:endParaRPr kumimoji="1" lang="ja-JP" altLang="en-US" sz="1800" dirty="0">
+              <a:latin typeface="+mj-ea"/>
+              <a:ea typeface="+mj-ea"/>
+            </a:endParaRPr>
+          </a:p>
+        </p:txBody>
+      </p:sp>
+      <p:sp>
+        <p:nvSpPr>
+          <p:cNvPr id="4" name="スライド番号プレースホルダー 3"/>
+          <p:cNvSpPr>
+            <a:spLocks noGrp="1"/>
+          </p:cNvSpPr>
+          <p:nvPr>
+            <p:ph type="sldNum" sz="quarter" idx="12"/>
+          </p:nvPr>
+        </p:nvSpPr>
+        <p:spPr/>
+        <p:txBody>
+          <a:bodyPr/>
+          <a:lstStyle/>
+          <a:p>
+            <a:fld id="{B4451160-128F-4DAD-AE29-4A8CC0E7B9E9}" type="slidenum">
+              <a:rPr kumimoji="1" lang="ja-JP" altLang="en-US" sz="3200" smtClean="0"/>
+              <a:t>2</a:t>
+            </a:fld>
+            <a:endParaRPr kumimoji="1" lang="ja-JP" altLang="en-US" sz="3200" dirty="0"/>
+          </a:p>
+        </p:txBody>
+      </p:sp>
+    </p:spTree>
+    <p:extLst>
+      <p:ext uri="{BB962C8B-B14F-4D97-AF65-F5344CB8AC3E}">
+        <p14:creationId xmlns:p14="http://schemas.microsoft.com/office/powerpoint/2010/main" val="524967261"/>
+      </p:ext>
+    </p:extLst>
+  </p:cSld>
+  <p:clrMapOvr>
+    <a:masterClrMapping/>
+  </p:clrMapOvr>
+  <mc:AlternateContent xmlns:mc="http://schemas.openxmlformats.org/markup-compatibility/2006" xmlns:p14="http://schemas.microsoft.com/office/powerpoint/2010/main">
+    <mc:Choice Requires="p14">
+      <p:transition spd="slow" p14:dur="2000"/>
+    </mc:Choice>
+    <mc:Fallback xmlns="">
+      <p:transition spd="slow"/>
+    </mc:Fallback>
+  </mc:AlternateContent>
+  <p:timing>
+    <p:tnLst>
+      <p:par>
+        <p:cTn id="1" dur="indefinite" restart="never" nodeType="tmRoot"/>
+      </p:par>
+    </p:tnLst>
+  </p:timing>
+</p:sld>
+</file>
+
+<file path=ppt/slides/slide20.xml><?xml version="1.0" encoding="utf-8"?>
+<p:sld xmlns:a="http://schemas.openxmlformats.org/drawingml/2006/main" xmlns:r="http://schemas.openxmlformats.org/officeDocument/2006/relationships" xmlns:p="http://schemas.openxmlformats.org/presentationml/2006/main">
+  <p:cSld>
+    <p:spTree>
+      <p:nvGrpSpPr>
+        <p:cNvPr id="1" name=""/>
+        <p:cNvGrpSpPr/>
+        <p:nvPr/>
+      </p:nvGrpSpPr>
+      <p:grpSpPr>
+        <a:xfrm>
+          <a:off x="0" y="0"/>
+          <a:ext cx="0" cy="0"/>
+          <a:chOff x="0" y="0"/>
+          <a:chExt cx="0" cy="0"/>
+        </a:xfrm>
+      </p:grpSpPr>
+      <p:sp>
+        <p:nvSpPr>
+          <p:cNvPr id="2" name="タイトル 1"/>
+          <p:cNvSpPr>
+            <a:spLocks noGrp="1"/>
+          </p:cNvSpPr>
+          <p:nvPr>
+            <p:ph type="title"/>
+          </p:nvPr>
+        </p:nvSpPr>
+        <p:spPr/>
+        <p:txBody>
+          <a:bodyPr/>
+          <a:lstStyle/>
+          <a:p>
+            <a:r>
               <a:rPr kumimoji="1" lang="ja-JP" altLang="en-US" dirty="0" smtClean="0"/>
               <a:t>大量の予測ベクトル保存</a:t>
             </a:r>
@@ -5940,7 +6964,7 @@
           <a:p>
             <a:fld id="{768BF403-63E9-4BE6-AA0B-408C483EA9DC}" type="slidenum">
               <a:rPr kumimoji="1" lang="ja-JP" altLang="en-US" smtClean="0"/>
-              <a:t>19</a:t>
+              <a:t>20</a:t>
             </a:fld>
             <a:endParaRPr kumimoji="1" lang="ja-JP" altLang="en-US"/>
           </a:p>
@@ -6351,743 +7375,7 @@
 </p:sld>
 </file>
 
-<file path=ppt/slides/slide2.xml><?xml version="1.0" encoding="utf-8"?>
-<p:sld xmlns:a="http://schemas.openxmlformats.org/drawingml/2006/main" xmlns:r="http://schemas.openxmlformats.org/officeDocument/2006/relationships" xmlns:p="http://schemas.openxmlformats.org/presentationml/2006/main" show="0">
-  <p:cSld>
-    <p:spTree>
-      <p:nvGrpSpPr>
-        <p:cNvPr id="1" name=""/>
-        <p:cNvGrpSpPr/>
-        <p:nvPr/>
-      </p:nvGrpSpPr>
-      <p:grpSpPr>
-        <a:xfrm>
-          <a:off x="0" y="0"/>
-          <a:ext cx="0" cy="0"/>
-          <a:chOff x="0" y="0"/>
-          <a:chExt cx="0" cy="0"/>
-        </a:xfrm>
-      </p:grpSpPr>
-      <p:sp>
-        <p:nvSpPr>
-          <p:cNvPr id="2" name="タイトル 1"/>
-          <p:cNvSpPr>
-            <a:spLocks noGrp="1"/>
-          </p:cNvSpPr>
-          <p:nvPr>
-            <p:ph type="title"/>
-          </p:nvPr>
-        </p:nvSpPr>
-        <p:spPr/>
-        <p:txBody>
-          <a:bodyPr/>
-          <a:lstStyle/>
-          <a:p>
-            <a:r>
-              <a:rPr kumimoji="1" lang="ja-JP" altLang="en-US" dirty="0"/>
-              <a:t>関連研究</a:t>
-            </a:r>
-          </a:p>
-        </p:txBody>
-      </p:sp>
-      <p:sp>
-        <p:nvSpPr>
-          <p:cNvPr id="3" name="コンテンツ プレースホルダー 2"/>
-          <p:cNvSpPr>
-            <a:spLocks noGrp="1"/>
-          </p:cNvSpPr>
-          <p:nvPr>
-            <p:ph idx="1"/>
-          </p:nvPr>
-        </p:nvSpPr>
-        <p:spPr/>
-        <p:txBody>
-          <a:bodyPr>
-            <a:normAutofit lnSpcReduction="10000"/>
-          </a:bodyPr>
-          <a:lstStyle/>
-          <a:p>
-            <a:r>
-              <a:rPr lang="ja-JP" altLang="en-US" sz="1800" dirty="0">
-                <a:latin typeface="+mj-ea"/>
-                <a:ea typeface="+mj-ea"/>
-              </a:rPr>
-              <a:t>深層学習による画像</a:t>
-            </a:r>
-            <a:r>
-              <a:rPr lang="ja-JP" altLang="en-US" sz="1800" dirty="0" smtClean="0">
-                <a:latin typeface="+mj-ea"/>
-                <a:ea typeface="+mj-ea"/>
-              </a:rPr>
-              <a:t>認識，特徴量抽出</a:t>
-            </a:r>
-            <a:r>
-              <a:rPr lang="en-US" altLang="ja-JP" sz="1800" dirty="0">
-                <a:latin typeface="+mj-ea"/>
-                <a:ea typeface="+mj-ea"/>
-              </a:rPr>
-              <a:t/>
-            </a:r>
-            <a:br>
-              <a:rPr lang="en-US" altLang="ja-JP" sz="1800" dirty="0">
-                <a:latin typeface="+mj-ea"/>
-                <a:ea typeface="+mj-ea"/>
-              </a:rPr>
-            </a:br>
-            <a:r>
-              <a:rPr lang="en-US" altLang="ja-JP" sz="1800" dirty="0">
-                <a:latin typeface="+mj-ea"/>
-                <a:ea typeface="+mj-ea"/>
-              </a:rPr>
-              <a:t>[</a:t>
-            </a:r>
-            <a:r>
-              <a:rPr lang="ja-JP" altLang="en-US" sz="1800" dirty="0">
-                <a:latin typeface="+mj-ea"/>
-                <a:ea typeface="+mj-ea"/>
-              </a:rPr>
-              <a:t>中山</a:t>
-            </a:r>
-            <a:r>
-              <a:rPr lang="en-US" altLang="ja-JP" sz="1800" dirty="0">
-                <a:latin typeface="+mj-ea"/>
-                <a:ea typeface="+mj-ea"/>
-              </a:rPr>
-              <a:t>2015] </a:t>
-            </a:r>
-            <a:r>
-              <a:rPr lang="ja-JP" altLang="en-US" sz="1800" dirty="0">
-                <a:latin typeface="+mj-ea"/>
-                <a:ea typeface="+mj-ea"/>
-              </a:rPr>
-              <a:t>中山秀樹，「深層畳み込みニューラルネットワークによる画像特徴抽出と転移学習」，信学技報，</a:t>
-            </a:r>
-            <a:r>
-              <a:rPr lang="en-US" altLang="ja-JP" sz="1800" dirty="0">
-                <a:latin typeface="+mj-ea"/>
-                <a:ea typeface="+mj-ea"/>
-              </a:rPr>
-              <a:t>pp.1-pp.6</a:t>
-            </a:r>
-            <a:r>
-              <a:rPr lang="ja-JP" altLang="en-US" sz="1800" dirty="0">
-                <a:latin typeface="+mj-ea"/>
-                <a:ea typeface="+mj-ea"/>
-              </a:rPr>
-              <a:t>，</a:t>
-            </a:r>
-            <a:r>
-              <a:rPr lang="en-US" altLang="ja-JP" sz="1800" dirty="0">
-                <a:latin typeface="+mj-ea"/>
-                <a:ea typeface="+mj-ea"/>
-              </a:rPr>
-              <a:t>2015</a:t>
-            </a:r>
-          </a:p>
-          <a:p>
-            <a:endParaRPr kumimoji="1" lang="en-US" altLang="ja-JP" sz="1800" dirty="0">
-              <a:latin typeface="+mj-ea"/>
-              <a:ea typeface="+mj-ea"/>
-            </a:endParaRPr>
-          </a:p>
-          <a:p>
-            <a:r>
-              <a:rPr kumimoji="1" lang="en-US" altLang="ja-JP" sz="1800" dirty="0">
-                <a:latin typeface="+mj-ea"/>
-                <a:ea typeface="+mj-ea"/>
-              </a:rPr>
-              <a:t>SIFT</a:t>
-            </a:r>
-            <a:r>
-              <a:rPr kumimoji="1" lang="ja-JP" altLang="en-US" sz="1800" dirty="0">
-                <a:latin typeface="+mj-ea"/>
-                <a:ea typeface="+mj-ea"/>
-              </a:rPr>
-              <a:t>による画像特徴抽出</a:t>
-            </a:r>
-            <a:r>
-              <a:rPr kumimoji="1" lang="en-US" altLang="ja-JP" sz="1800" dirty="0">
-                <a:latin typeface="+mj-ea"/>
-                <a:ea typeface="+mj-ea"/>
-              </a:rPr>
-              <a:t/>
-            </a:r>
-            <a:br>
-              <a:rPr kumimoji="1" lang="en-US" altLang="ja-JP" sz="1800" dirty="0">
-                <a:latin typeface="+mj-ea"/>
-                <a:ea typeface="+mj-ea"/>
-              </a:rPr>
-            </a:br>
-            <a:r>
-              <a:rPr kumimoji="1" lang="en-US" altLang="ja-JP" sz="1800" dirty="0">
-                <a:latin typeface="+mj-ea"/>
-                <a:ea typeface="+mj-ea"/>
-              </a:rPr>
-              <a:t>[</a:t>
-            </a:r>
-            <a:r>
-              <a:rPr kumimoji="1" lang="ja-JP" altLang="en-US" sz="1800" dirty="0">
-                <a:latin typeface="+mj-ea"/>
-                <a:ea typeface="+mj-ea"/>
-              </a:rPr>
-              <a:t>藤吉</a:t>
-            </a:r>
-            <a:r>
-              <a:rPr kumimoji="1" lang="en-US" altLang="ja-JP" sz="1800" dirty="0">
-                <a:latin typeface="+mj-ea"/>
-                <a:ea typeface="+mj-ea"/>
-              </a:rPr>
-              <a:t>2007</a:t>
-            </a:r>
-            <a:r>
-              <a:rPr kumimoji="1" lang="en-US" altLang="ja-JP" sz="1800" dirty="0" smtClean="0">
-                <a:latin typeface="+mj-ea"/>
-                <a:ea typeface="+mj-ea"/>
-              </a:rPr>
-              <a:t>]</a:t>
-            </a:r>
-            <a:r>
-              <a:rPr kumimoji="1" lang="ja-JP" altLang="en-US" sz="1800" dirty="0" smtClean="0">
-                <a:latin typeface="+mj-ea"/>
-                <a:ea typeface="+mj-ea"/>
-              </a:rPr>
-              <a:t>　</a:t>
-            </a:r>
-            <a:r>
-              <a:rPr lang="ja-JP" altLang="en-US" sz="1800" dirty="0" smtClean="0">
-                <a:latin typeface="+mj-ea"/>
-                <a:ea typeface="+mj-ea"/>
-              </a:rPr>
-              <a:t>藤吉 </a:t>
-            </a:r>
-            <a:r>
-              <a:rPr lang="ja-JP" altLang="en-US" sz="1800" dirty="0">
-                <a:latin typeface="+mj-ea"/>
-                <a:ea typeface="+mj-ea"/>
-              </a:rPr>
-              <a:t>弘</a:t>
-            </a:r>
-            <a:r>
-              <a:rPr lang="ja-JP" altLang="en-US" sz="1800" dirty="0" smtClean="0">
-                <a:latin typeface="+mj-ea"/>
-                <a:ea typeface="+mj-ea"/>
-              </a:rPr>
-              <a:t>亘，</a:t>
-            </a:r>
-            <a:r>
-              <a:rPr kumimoji="1" lang="ja-JP" altLang="en-US" sz="1800" dirty="0" smtClean="0">
-                <a:latin typeface="+mj-ea"/>
-                <a:ea typeface="+mj-ea"/>
-              </a:rPr>
-              <a:t>「</a:t>
-            </a:r>
-            <a:r>
-              <a:rPr kumimoji="1" lang="en-US" altLang="ja-JP" sz="1800" dirty="0">
-                <a:latin typeface="+mj-ea"/>
-                <a:ea typeface="+mj-ea"/>
-              </a:rPr>
-              <a:t>Gradient</a:t>
-            </a:r>
-            <a:r>
-              <a:rPr kumimoji="1" lang="ja-JP" altLang="en-US" sz="1800" dirty="0">
-                <a:latin typeface="+mj-ea"/>
-                <a:ea typeface="+mj-ea"/>
-              </a:rPr>
-              <a:t>ベースの特徴抽出　</a:t>
-            </a:r>
-            <a:r>
-              <a:rPr kumimoji="1" lang="en-US" altLang="ja-JP" sz="1800" dirty="0">
-                <a:latin typeface="+mj-ea"/>
-                <a:ea typeface="+mj-ea"/>
-              </a:rPr>
-              <a:t>–SIFT</a:t>
-            </a:r>
-            <a:r>
-              <a:rPr kumimoji="1" lang="ja-JP" altLang="en-US" sz="1800" dirty="0">
-                <a:latin typeface="+mj-ea"/>
-                <a:ea typeface="+mj-ea"/>
-              </a:rPr>
-              <a:t>と</a:t>
-            </a:r>
-            <a:r>
-              <a:rPr kumimoji="1" lang="en-US" altLang="ja-JP" sz="1800" dirty="0">
-                <a:latin typeface="+mj-ea"/>
-                <a:ea typeface="+mj-ea"/>
-              </a:rPr>
-              <a:t>HOG-</a:t>
-            </a:r>
-            <a:r>
-              <a:rPr kumimoji="1" lang="ja-JP" altLang="en-US" sz="1800" dirty="0" smtClean="0">
-                <a:latin typeface="+mj-ea"/>
-                <a:ea typeface="+mj-ea"/>
-              </a:rPr>
-              <a:t>」</a:t>
-            </a:r>
-            <a:r>
-              <a:rPr lang="ja-JP" altLang="en-US" sz="1800" dirty="0">
-                <a:latin typeface="+mj-ea"/>
-                <a:ea typeface="+mj-ea"/>
-              </a:rPr>
-              <a:t>，</a:t>
-            </a:r>
-            <a:r>
-              <a:rPr kumimoji="1" lang="ja-JP" altLang="en-US" sz="1800" dirty="0" smtClean="0">
-                <a:latin typeface="+mj-ea"/>
-                <a:ea typeface="+mj-ea"/>
-              </a:rPr>
-              <a:t>社団法人　情報</a:t>
-            </a:r>
-            <a:r>
-              <a:rPr kumimoji="1" lang="ja-JP" altLang="en-US" sz="1800" dirty="0">
-                <a:latin typeface="+mj-ea"/>
-                <a:ea typeface="+mj-ea"/>
-              </a:rPr>
-              <a:t>処理学会　研究</a:t>
-            </a:r>
-            <a:r>
-              <a:rPr kumimoji="1" lang="ja-JP" altLang="en-US" sz="1800" dirty="0" smtClean="0">
-                <a:latin typeface="+mj-ea"/>
-                <a:ea typeface="+mj-ea"/>
-              </a:rPr>
-              <a:t>報告，</a:t>
-            </a:r>
-            <a:r>
-              <a:rPr kumimoji="1" lang="en-US" altLang="ja-JP" sz="1800" dirty="0" smtClean="0">
-                <a:latin typeface="+mj-ea"/>
-                <a:ea typeface="+mj-ea"/>
-              </a:rPr>
-              <a:t>pp.1-pp.14</a:t>
-            </a:r>
-            <a:r>
-              <a:rPr lang="ja-JP" altLang="en-US" sz="1800" dirty="0" err="1">
-                <a:latin typeface="+mj-ea"/>
-                <a:ea typeface="+mj-ea"/>
-              </a:rPr>
-              <a:t>，</a:t>
-            </a:r>
-            <a:r>
-              <a:rPr lang="en-US" altLang="ja-JP" sz="1800" dirty="0" smtClean="0">
-                <a:latin typeface="+mj-ea"/>
-              </a:rPr>
-              <a:t>2007/9/4</a:t>
-            </a:r>
-            <a:endParaRPr kumimoji="1" lang="en-US" altLang="ja-JP" sz="1800" dirty="0">
-              <a:latin typeface="+mj-ea"/>
-              <a:ea typeface="+mj-ea"/>
-            </a:endParaRPr>
-          </a:p>
-          <a:p>
-            <a:pPr marL="0" indent="0">
-              <a:buNone/>
-            </a:pPr>
-            <a:r>
-              <a:rPr lang="ja-JP" altLang="en-US" sz="1800" dirty="0">
-                <a:latin typeface="+mj-ea"/>
-                <a:ea typeface="+mj-ea"/>
-              </a:rPr>
-              <a:t>　　</a:t>
-            </a:r>
-            <a:endParaRPr kumimoji="1" lang="en-US" altLang="ja-JP" sz="1800" dirty="0">
-              <a:latin typeface="+mj-ea"/>
-              <a:ea typeface="+mj-ea"/>
-            </a:endParaRPr>
-          </a:p>
-          <a:p>
-            <a:r>
-              <a:rPr lang="ja-JP" altLang="en-US" sz="1800" dirty="0">
-                <a:latin typeface="+mj-ea"/>
-                <a:ea typeface="+mj-ea"/>
-              </a:rPr>
-              <a:t>深層学習と</a:t>
-            </a:r>
-            <a:r>
-              <a:rPr lang="en-US" altLang="ja-JP" sz="1800" dirty="0">
-                <a:latin typeface="+mj-ea"/>
-                <a:ea typeface="+mj-ea"/>
-              </a:rPr>
-              <a:t>SIFT</a:t>
-            </a:r>
-            <a:r>
-              <a:rPr lang="ja-JP" altLang="en-US" sz="1800" dirty="0">
-                <a:latin typeface="+mj-ea"/>
-                <a:ea typeface="+mj-ea"/>
-              </a:rPr>
-              <a:t>の性能評価</a:t>
-            </a:r>
-            <a:r>
-              <a:rPr lang="en-US" altLang="ja-JP" sz="1800" dirty="0">
-                <a:latin typeface="+mj-ea"/>
-                <a:ea typeface="+mj-ea"/>
-              </a:rPr>
-              <a:t/>
-            </a:r>
-            <a:br>
-              <a:rPr lang="en-US" altLang="ja-JP" sz="1800" dirty="0">
-                <a:latin typeface="+mj-ea"/>
-                <a:ea typeface="+mj-ea"/>
-              </a:rPr>
-            </a:br>
-            <a:r>
-              <a:rPr lang="en-US" altLang="ja-JP" sz="1800" dirty="0">
-                <a:latin typeface="+mj-ea"/>
-                <a:ea typeface="+mj-ea"/>
-              </a:rPr>
-              <a:t>[Ke2016</a:t>
-            </a:r>
-            <a:r>
-              <a:rPr lang="en-US" altLang="ja-JP" sz="1800" dirty="0" smtClean="0">
-                <a:latin typeface="+mj-ea"/>
-                <a:ea typeface="+mj-ea"/>
-              </a:rPr>
-              <a:t>]</a:t>
-            </a:r>
-            <a:r>
-              <a:rPr lang="en-US" altLang="ja-JP" sz="1800" dirty="0">
-                <a:latin typeface="+mj-ea"/>
-              </a:rPr>
-              <a:t> </a:t>
-            </a:r>
-            <a:r>
-              <a:rPr lang="en-US" altLang="ja-JP" sz="1800" dirty="0" err="1">
-                <a:latin typeface="+mj-ea"/>
-              </a:rPr>
-              <a:t>Ke</a:t>
-            </a:r>
-            <a:r>
-              <a:rPr lang="en-US" altLang="ja-JP" sz="1800" dirty="0">
-                <a:latin typeface="+mj-ea"/>
-              </a:rPr>
-              <a:t> </a:t>
-            </a:r>
-            <a:r>
-              <a:rPr lang="en-US" altLang="ja-JP" sz="1800" dirty="0" smtClean="0">
-                <a:latin typeface="+mj-ea"/>
-              </a:rPr>
-              <a:t>Yan</a:t>
-            </a:r>
-            <a:r>
-              <a:rPr lang="ja-JP" altLang="en-US" sz="1800" dirty="0" err="1" smtClean="0">
-                <a:latin typeface="+mj-ea"/>
-              </a:rPr>
-              <a:t>，</a:t>
-            </a:r>
-            <a:r>
-              <a:rPr lang="en-US" altLang="ja-JP" sz="1800" dirty="0" err="1" smtClean="0">
-                <a:latin typeface="+mj-ea"/>
-              </a:rPr>
-              <a:t>Yaowei</a:t>
-            </a:r>
-            <a:r>
-              <a:rPr lang="en-US" altLang="ja-JP" sz="1800" dirty="0" smtClean="0">
-                <a:latin typeface="+mj-ea"/>
-              </a:rPr>
-              <a:t> </a:t>
-            </a:r>
-            <a:r>
-              <a:rPr lang="en-US" altLang="ja-JP" sz="1800" dirty="0">
-                <a:latin typeface="+mj-ea"/>
-              </a:rPr>
-              <a:t>Wang</a:t>
-            </a:r>
-            <a:r>
-              <a:rPr lang="en-US" altLang="ja-JP" sz="800" dirty="0" smtClean="0">
-                <a:latin typeface="+mj-ea"/>
-              </a:rPr>
-              <a:t>;</a:t>
-            </a:r>
-            <a:r>
-              <a:rPr lang="ja-JP" altLang="en-US" sz="1800" dirty="0">
-                <a:latin typeface="+mj-ea"/>
-              </a:rPr>
-              <a:t>，</a:t>
-            </a:r>
-            <a:r>
-              <a:rPr lang="en-US" altLang="ja-JP" sz="1800" dirty="0" smtClean="0">
-                <a:latin typeface="+mj-ea"/>
-              </a:rPr>
-              <a:t> </a:t>
-            </a:r>
-            <a:r>
-              <a:rPr lang="en-US" altLang="ja-JP" sz="1800" dirty="0" err="1">
-                <a:latin typeface="+mj-ea"/>
-              </a:rPr>
-              <a:t>Dawei</a:t>
-            </a:r>
-            <a:r>
-              <a:rPr lang="en-US" altLang="ja-JP" sz="1800" dirty="0">
-                <a:latin typeface="+mj-ea"/>
-              </a:rPr>
-              <a:t> </a:t>
-            </a:r>
-            <a:r>
-              <a:rPr lang="en-US" altLang="ja-JP" sz="1800" dirty="0" smtClean="0">
-                <a:latin typeface="+mj-ea"/>
-              </a:rPr>
-              <a:t>Liang</a:t>
-            </a:r>
-            <a:r>
-              <a:rPr lang="ja-JP" altLang="en-US" sz="1800" dirty="0" err="1" smtClean="0">
-                <a:latin typeface="+mj-ea"/>
-              </a:rPr>
-              <a:t>，</a:t>
-            </a:r>
-            <a:r>
-              <a:rPr lang="en-US" altLang="ja-JP" sz="1800" dirty="0" smtClean="0">
-                <a:latin typeface="+mj-ea"/>
-              </a:rPr>
-              <a:t> </a:t>
-            </a:r>
-            <a:r>
-              <a:rPr lang="en-US" altLang="ja-JP" sz="1800" dirty="0" err="1">
-                <a:latin typeface="+mj-ea"/>
-              </a:rPr>
-              <a:t>Tiejun</a:t>
-            </a:r>
-            <a:r>
-              <a:rPr lang="en-US" altLang="ja-JP" sz="1800" dirty="0">
-                <a:latin typeface="+mj-ea"/>
-              </a:rPr>
-              <a:t> </a:t>
-            </a:r>
-            <a:r>
-              <a:rPr lang="en-US" altLang="ja-JP" sz="1800" dirty="0" smtClean="0">
-                <a:latin typeface="+mj-ea"/>
-              </a:rPr>
-              <a:t>Huang</a:t>
-            </a:r>
-            <a:r>
-              <a:rPr lang="ja-JP" altLang="en-US" sz="1800" dirty="0" err="1" smtClean="0">
-                <a:latin typeface="+mj-ea"/>
-              </a:rPr>
-              <a:t>，</a:t>
-            </a:r>
-            <a:r>
-              <a:rPr lang="en-US" altLang="ja-JP" sz="1800" dirty="0" err="1" smtClean="0">
-                <a:latin typeface="+mj-ea"/>
-              </a:rPr>
-              <a:t>Yonghong</a:t>
-            </a:r>
-            <a:r>
-              <a:rPr lang="en-US" altLang="ja-JP" sz="1800" dirty="0" smtClean="0">
-                <a:latin typeface="+mj-ea"/>
-              </a:rPr>
-              <a:t> Tian</a:t>
-            </a:r>
-            <a:r>
-              <a:rPr lang="ja-JP" altLang="en-US" sz="1800" dirty="0" smtClean="0">
-                <a:latin typeface="+mj-ea"/>
-                <a:ea typeface="+mj-ea"/>
-              </a:rPr>
-              <a:t>「</a:t>
-            </a:r>
-            <a:r>
-              <a:rPr lang="en-US" altLang="ja-JP" sz="1800" dirty="0">
-                <a:latin typeface="+mj-ea"/>
-                <a:ea typeface="+mj-ea"/>
-              </a:rPr>
-              <a:t>CNN vs. SIFT for Image Retrieval: Alternative or</a:t>
-            </a:r>
-            <a:r>
-              <a:rPr lang="ja-JP" altLang="en-US" sz="1800" dirty="0">
-                <a:latin typeface="+mj-ea"/>
-                <a:ea typeface="+mj-ea"/>
-              </a:rPr>
-              <a:t> </a:t>
-            </a:r>
-            <a:r>
-              <a:rPr lang="en-US" altLang="ja-JP" sz="1800" dirty="0">
-                <a:latin typeface="+mj-ea"/>
-                <a:ea typeface="+mj-ea"/>
-              </a:rPr>
-              <a:t>Complementary?</a:t>
-            </a:r>
-            <a:r>
-              <a:rPr lang="ja-JP" altLang="en-US" sz="1800" dirty="0" smtClean="0">
-                <a:latin typeface="+mj-ea"/>
-                <a:ea typeface="+mj-ea"/>
-              </a:rPr>
-              <a:t>」，</a:t>
-            </a:r>
-            <a:r>
-              <a:rPr lang="en-US" altLang="ja-JP" sz="1800" dirty="0">
-                <a:solidFill>
-                  <a:srgbClr val="333333"/>
-                </a:solidFill>
-                <a:latin typeface="+mj-ea"/>
-              </a:rPr>
-              <a:t> </a:t>
-            </a:r>
-          </a:p>
-          <a:p>
-            <a:pPr marL="0" indent="0" algn="just">
-              <a:buNone/>
-            </a:pPr>
-            <a:r>
-              <a:rPr lang="ja-JP" altLang="en-US" sz="1800" dirty="0" smtClean="0">
-                <a:solidFill>
-                  <a:srgbClr val="333333"/>
-                </a:solidFill>
-                <a:latin typeface="+mj-ea"/>
-              </a:rPr>
-              <a:t>　</a:t>
-            </a:r>
-            <a:r>
-              <a:rPr lang="en-US" altLang="ja-JP" sz="1800" dirty="0" smtClean="0">
-                <a:solidFill>
-                  <a:srgbClr val="333333"/>
-                </a:solidFill>
-                <a:latin typeface="+mj-ea"/>
-              </a:rPr>
-              <a:t>MM </a:t>
-            </a:r>
-            <a:r>
-              <a:rPr lang="en-US" altLang="ja-JP" sz="1800" dirty="0">
-                <a:solidFill>
-                  <a:srgbClr val="333333"/>
-                </a:solidFill>
-                <a:latin typeface="+mj-ea"/>
-              </a:rPr>
-              <a:t>‘16: Proceedings of the 24th ACM international </a:t>
-            </a:r>
-            <a:r>
-              <a:rPr lang="en-US" altLang="ja-JP" sz="1800" dirty="0" smtClean="0">
-                <a:solidFill>
-                  <a:srgbClr val="333333"/>
-                </a:solidFill>
-                <a:latin typeface="+mj-ea"/>
-              </a:rPr>
-              <a:t>conference </a:t>
-            </a:r>
-            <a:r>
-              <a:rPr lang="en-US" altLang="ja-JP" sz="1800" dirty="0">
-                <a:solidFill>
-                  <a:srgbClr val="333333"/>
-                </a:solidFill>
-                <a:latin typeface="+mj-ea"/>
-              </a:rPr>
-              <a:t>on </a:t>
-            </a:r>
-            <a:r>
-              <a:rPr lang="en-US" altLang="ja-JP" sz="1800" dirty="0" smtClean="0">
-                <a:solidFill>
-                  <a:srgbClr val="333333"/>
-                </a:solidFill>
-                <a:latin typeface="+mj-ea"/>
-              </a:rPr>
-              <a:t>Multimedia</a:t>
-            </a:r>
-            <a:r>
-              <a:rPr lang="ja-JP" altLang="en-US" sz="1800" dirty="0" err="1" smtClean="0">
-                <a:solidFill>
-                  <a:srgbClr val="333333"/>
-                </a:solidFill>
-                <a:latin typeface="+mj-ea"/>
-              </a:rPr>
-              <a:t>，</a:t>
-            </a:r>
-            <a:r>
-              <a:rPr lang="en-US" altLang="ja-JP" sz="1800" dirty="0" smtClean="0">
-                <a:solidFill>
-                  <a:srgbClr val="333333"/>
-                </a:solidFill>
-                <a:latin typeface="+mj-ea"/>
-              </a:rPr>
-              <a:t>pp.407-pp.411</a:t>
-            </a:r>
-            <a:r>
-              <a:rPr lang="ja-JP" altLang="en-US" sz="1800" dirty="0" err="1" smtClean="0">
-                <a:solidFill>
-                  <a:srgbClr val="333333"/>
-                </a:solidFill>
-                <a:latin typeface="+mj-ea"/>
-              </a:rPr>
-              <a:t>，</a:t>
-            </a:r>
-            <a:r>
-              <a:rPr kumimoji="1" lang="en-US" altLang="ja-JP" sz="1800" dirty="0" smtClean="0">
-                <a:latin typeface="+mj-ea"/>
-                <a:ea typeface="+mj-ea"/>
-              </a:rPr>
-              <a:t>2016/10/01 </a:t>
-            </a:r>
-            <a:endParaRPr lang="en-US" altLang="ja-JP" sz="1800" dirty="0">
-              <a:solidFill>
-                <a:srgbClr val="333333"/>
-              </a:solidFill>
-              <a:latin typeface="+mj-ea"/>
-              <a:ea typeface="+mj-ea"/>
-            </a:endParaRPr>
-          </a:p>
-          <a:p>
-            <a:pPr marL="0" indent="0">
-              <a:buNone/>
-            </a:pPr>
-            <a:r>
-              <a:rPr lang="ja-JP" altLang="en-US" sz="1800" dirty="0">
-                <a:latin typeface="+mj-ea"/>
-                <a:ea typeface="+mj-ea"/>
-              </a:rPr>
-              <a:t>　　</a:t>
-            </a:r>
-            <a:endParaRPr kumimoji="1" lang="ja-JP" altLang="en-US" sz="1800" dirty="0">
-              <a:latin typeface="+mj-ea"/>
-              <a:ea typeface="+mj-ea"/>
-            </a:endParaRPr>
-          </a:p>
-        </p:txBody>
-      </p:sp>
-      <p:sp>
-        <p:nvSpPr>
-          <p:cNvPr id="4" name="スライド番号プレースホルダー 3"/>
-          <p:cNvSpPr>
-            <a:spLocks noGrp="1"/>
-          </p:cNvSpPr>
-          <p:nvPr>
-            <p:ph type="sldNum" sz="quarter" idx="12"/>
-          </p:nvPr>
-        </p:nvSpPr>
-        <p:spPr/>
-        <p:txBody>
-          <a:bodyPr/>
-          <a:lstStyle/>
-          <a:p>
-            <a:fld id="{B4451160-128F-4DAD-AE29-4A8CC0E7B9E9}" type="slidenum">
-              <a:rPr kumimoji="1" lang="ja-JP" altLang="en-US" sz="3200" smtClean="0"/>
-              <a:t>2</a:t>
-            </a:fld>
-            <a:endParaRPr kumimoji="1" lang="ja-JP" altLang="en-US" sz="3200" dirty="0"/>
-          </a:p>
-        </p:txBody>
-      </p:sp>
-    </p:spTree>
-    <p:extLst>
-      <p:ext uri="{BB962C8B-B14F-4D97-AF65-F5344CB8AC3E}">
-        <p14:creationId xmlns:p14="http://schemas.microsoft.com/office/powerpoint/2010/main" val="524967261"/>
-      </p:ext>
-    </p:extLst>
-  </p:cSld>
-  <p:clrMapOvr>
-    <a:masterClrMapping/>
-  </p:clrMapOvr>
-  <mc:AlternateContent xmlns:mc="http://schemas.openxmlformats.org/markup-compatibility/2006" xmlns:p14="http://schemas.microsoft.com/office/powerpoint/2010/main">
-    <mc:Choice Requires="p14">
-      <p:transition spd="slow" p14:dur="2000"/>
-    </mc:Choice>
-    <mc:Fallback xmlns="">
-      <p:transition spd="slow"/>
-    </mc:Fallback>
-  </mc:AlternateContent>
-  <p:timing>
-    <p:tnLst>
-      <p:par>
-        <p:cTn id="1" dur="indefinite" restart="never" nodeType="tmRoot"/>
-      </p:par>
-    </p:tnLst>
-  </p:timing>
-</p:sld>
-</file>
-
-<file path=ppt/slides/slide20.xml><?xml version="1.0" encoding="utf-8"?>
+<file path=ppt/slides/slide21.xml><?xml version="1.0" encoding="utf-8"?>
 <p:sld xmlns:a="http://schemas.openxmlformats.org/drawingml/2006/main" xmlns:r="http://schemas.openxmlformats.org/officeDocument/2006/relationships" xmlns:p="http://schemas.openxmlformats.org/presentationml/2006/main">
   <p:cSld>
     <p:spTree>
@@ -7119,7 +7407,7 @@
           <a:bodyPr/>
           <a:lstStyle/>
           <a:p>
-            <a:endParaRPr kumimoji="1" lang="ja-JP" altLang="en-US"/>
+            <a:endParaRPr kumimoji="1" lang="ja-JP" altLang="en-US" dirty="0"/>
           </a:p>
         </p:txBody>
       </p:sp>
@@ -7159,7 +7447,7 @@
           <a:p>
             <a:fld id="{768BF403-63E9-4BE6-AA0B-408C483EA9DC}" type="slidenum">
               <a:rPr kumimoji="1" lang="ja-JP" altLang="en-US" smtClean="0"/>
-              <a:t>20</a:t>
+              <a:t>21</a:t>
             </a:fld>
             <a:endParaRPr kumimoji="1" lang="ja-JP" altLang="en-US"/>
           </a:p>
@@ -7175,6 +7463,13 @@
   <p:clrMapOvr>
     <a:masterClrMapping/>
   </p:clrMapOvr>
+  <p:timing>
+    <p:tnLst>
+      <p:par>
+        <p:cTn id="1" dur="indefinite" restart="never" nodeType="tmRoot"/>
+      </p:par>
+    </p:tnLst>
+  </p:timing>
 </p:sld>
 </file>
 
@@ -8021,6 +8316,144 @@
           <a:lstStyle/>
           <a:p>
             <a:r>
+              <a:rPr kumimoji="1" lang="ja-JP" altLang="en-US" dirty="0" smtClean="0"/>
+              <a:t>認識性能とは</a:t>
+            </a:r>
+            <a:endParaRPr kumimoji="1" lang="ja-JP" altLang="en-US" dirty="0"/>
+          </a:p>
+        </p:txBody>
+      </p:sp>
+      <p:sp>
+        <p:nvSpPr>
+          <p:cNvPr id="3" name="コンテンツ プレースホルダー 2"/>
+          <p:cNvSpPr>
+            <a:spLocks noGrp="1"/>
+          </p:cNvSpPr>
+          <p:nvPr>
+            <p:ph idx="1"/>
+          </p:nvPr>
+        </p:nvSpPr>
+        <p:spPr/>
+        <p:txBody>
+          <a:bodyPr/>
+          <a:lstStyle/>
+          <a:p>
+            <a:r>
+              <a:rPr kumimoji="1" lang="ja-JP" altLang="en-US" dirty="0" smtClean="0"/>
+              <a:t>意味情報</a:t>
+            </a:r>
+            <a:r>
+              <a:rPr lang="ja-JP" altLang="en-US" dirty="0"/>
+              <a:t>（</a:t>
+            </a:r>
+            <a:r>
+              <a:rPr kumimoji="1" lang="ja-JP" altLang="en-US" dirty="0" smtClean="0"/>
+              <a:t>ラベル）</a:t>
+            </a:r>
+            <a:endParaRPr kumimoji="1" lang="en-US" altLang="ja-JP" dirty="0" smtClean="0"/>
+          </a:p>
+          <a:p>
+            <a:r>
+              <a:rPr kumimoji="1" lang="ja-JP" altLang="en-US" dirty="0" smtClean="0"/>
+              <a:t>色</a:t>
+            </a:r>
+            <a:endParaRPr kumimoji="1" lang="en-US" altLang="ja-JP" dirty="0" smtClean="0"/>
+          </a:p>
+          <a:p>
+            <a:r>
+              <a:rPr kumimoji="1" lang="ja-JP" altLang="en-US" dirty="0" smtClean="0"/>
+              <a:t>位置情報</a:t>
+            </a:r>
+            <a:endParaRPr kumimoji="1" lang="en-US" altLang="ja-JP" dirty="0" smtClean="0"/>
+          </a:p>
+          <a:p>
+            <a:r>
+              <a:rPr lang="ja-JP" altLang="en-US" dirty="0" smtClean="0"/>
+              <a:t>大きさ</a:t>
+            </a:r>
+            <a:endParaRPr lang="en-US" altLang="ja-JP" dirty="0" smtClean="0"/>
+          </a:p>
+          <a:p>
+            <a:r>
+              <a:rPr kumimoji="1" lang="ja-JP" altLang="en-US" dirty="0" smtClean="0"/>
+              <a:t>距離</a:t>
+            </a:r>
+            <a:endParaRPr kumimoji="1" lang="en-US" altLang="ja-JP" dirty="0" smtClean="0"/>
+          </a:p>
+          <a:p>
+            <a:endParaRPr kumimoji="1" lang="ja-JP" altLang="en-US" dirty="0"/>
+          </a:p>
+        </p:txBody>
+      </p:sp>
+      <p:sp>
+        <p:nvSpPr>
+          <p:cNvPr id="4" name="スライド番号プレースホルダー 3"/>
+          <p:cNvSpPr>
+            <a:spLocks noGrp="1"/>
+          </p:cNvSpPr>
+          <p:nvPr>
+            <p:ph type="sldNum" sz="quarter" idx="12"/>
+          </p:nvPr>
+        </p:nvSpPr>
+        <p:spPr/>
+        <p:txBody>
+          <a:bodyPr/>
+          <a:lstStyle/>
+          <a:p>
+            <a:fld id="{768BF403-63E9-4BE6-AA0B-408C483EA9DC}" type="slidenum">
+              <a:rPr kumimoji="1" lang="ja-JP" altLang="en-US" smtClean="0"/>
+              <a:t>8</a:t>
+            </a:fld>
+            <a:endParaRPr kumimoji="1" lang="ja-JP" altLang="en-US"/>
+          </a:p>
+        </p:txBody>
+      </p:sp>
+    </p:spTree>
+    <p:extLst>
+      <p:ext uri="{BB962C8B-B14F-4D97-AF65-F5344CB8AC3E}">
+        <p14:creationId xmlns:p14="http://schemas.microsoft.com/office/powerpoint/2010/main" val="4179754605"/>
+      </p:ext>
+    </p:extLst>
+  </p:cSld>
+  <p:clrMapOvr>
+    <a:masterClrMapping/>
+  </p:clrMapOvr>
+</p:sld>
+</file>
+
+<file path=ppt/slides/slide9.xml><?xml version="1.0" encoding="utf-8"?>
+<p:sld xmlns:a="http://schemas.openxmlformats.org/drawingml/2006/main" xmlns:r="http://schemas.openxmlformats.org/officeDocument/2006/relationships" xmlns:p="http://schemas.openxmlformats.org/presentationml/2006/main">
+  <p:cSld>
+    <p:spTree>
+      <p:nvGrpSpPr>
+        <p:cNvPr id="1" name=""/>
+        <p:cNvGrpSpPr/>
+        <p:nvPr/>
+      </p:nvGrpSpPr>
+      <p:grpSpPr>
+        <a:xfrm>
+          <a:off x="0" y="0"/>
+          <a:ext cx="0" cy="0"/>
+          <a:chOff x="0" y="0"/>
+          <a:chExt cx="0" cy="0"/>
+        </a:xfrm>
+      </p:grpSpPr>
+      <p:sp>
+        <p:nvSpPr>
+          <p:cNvPr id="2" name="タイトル 1"/>
+          <p:cNvSpPr>
+            <a:spLocks noGrp="1"/>
+          </p:cNvSpPr>
+          <p:nvPr>
+            <p:ph type="title"/>
+          </p:nvPr>
+        </p:nvSpPr>
+        <p:spPr/>
+        <p:txBody>
+          <a:bodyPr/>
+          <a:lstStyle/>
+          <a:p>
+            <a:r>
               <a:rPr kumimoji="1" lang="ja-JP" altLang="en-US" dirty="0"/>
               <a:t>本研究のアプローチ</a:t>
             </a:r>
@@ -8149,7 +8582,7 @@
           <a:p>
             <a:fld id="{B4451160-128F-4DAD-AE29-4A8CC0E7B9E9}" type="slidenum">
               <a:rPr kumimoji="1" lang="ja-JP" altLang="en-US" sz="3200" smtClean="0"/>
-              <a:t>8</a:t>
+              <a:t>9</a:t>
             </a:fld>
             <a:endParaRPr kumimoji="1" lang="ja-JP" altLang="en-US" sz="3200" dirty="0"/>
           </a:p>
@@ -8604,292 +9037,6 @@
     <p:extLst>
       <p:ext uri="{BB962C8B-B14F-4D97-AF65-F5344CB8AC3E}">
         <p14:creationId xmlns:p14="http://schemas.microsoft.com/office/powerpoint/2010/main" val="3133810987"/>
-      </p:ext>
-    </p:extLst>
-  </p:cSld>
-  <p:clrMapOvr>
-    <a:masterClrMapping/>
-  </p:clrMapOvr>
-  <p:timing>
-    <p:tnLst>
-      <p:par>
-        <p:cTn id="1" dur="indefinite" restart="never" nodeType="tmRoot"/>
-      </p:par>
-    </p:tnLst>
-  </p:timing>
-</p:sld>
-</file>
-
-<file path=ppt/slides/slide9.xml><?xml version="1.0" encoding="utf-8"?>
-<p:sld xmlns:a="http://schemas.openxmlformats.org/drawingml/2006/main" xmlns:r="http://schemas.openxmlformats.org/officeDocument/2006/relationships" xmlns:p="http://schemas.openxmlformats.org/presentationml/2006/main">
-  <p:cSld>
-    <p:spTree>
-      <p:nvGrpSpPr>
-        <p:cNvPr id="1" name=""/>
-        <p:cNvGrpSpPr/>
-        <p:nvPr/>
-      </p:nvGrpSpPr>
-      <p:grpSpPr>
-        <a:xfrm>
-          <a:off x="0" y="0"/>
-          <a:ext cx="0" cy="0"/>
-          <a:chOff x="0" y="0"/>
-          <a:chExt cx="0" cy="0"/>
-        </a:xfrm>
-      </p:grpSpPr>
-      <p:sp>
-        <p:nvSpPr>
-          <p:cNvPr id="2" name="タイトル 1"/>
-          <p:cNvSpPr>
-            <a:spLocks noGrp="1"/>
-          </p:cNvSpPr>
-          <p:nvPr>
-            <p:ph type="title"/>
-          </p:nvPr>
-        </p:nvSpPr>
-        <p:spPr/>
-        <p:txBody>
-          <a:bodyPr/>
-          <a:lstStyle/>
-          <a:p>
-            <a:r>
-              <a:rPr lang="ja-JP" altLang="en-US" dirty="0"/>
-              <a:t>研究の方法</a:t>
-            </a:r>
-            <a:endParaRPr kumimoji="1" lang="ja-JP" altLang="en-US" dirty="0"/>
-          </a:p>
-        </p:txBody>
-      </p:sp>
-      <mc:AlternateContent xmlns:mc="http://schemas.openxmlformats.org/markup-compatibility/2006" xmlns:a14="http://schemas.microsoft.com/office/drawing/2010/main">
-        <mc:Choice Requires="a14">
-          <p:sp>
-            <p:nvSpPr>
-              <p:cNvPr id="3" name="コンテンツ プレースホルダー 2"/>
-              <p:cNvSpPr>
-                <a:spLocks noGrp="1"/>
-              </p:cNvSpPr>
-              <p:nvPr>
-                <p:ph idx="1"/>
-              </p:nvPr>
-            </p:nvSpPr>
-            <p:spPr>
-              <a:xfrm>
-                <a:off x="628650" y="1961147"/>
-                <a:ext cx="7886700" cy="4186990"/>
-              </a:xfrm>
-            </p:spPr>
-            <p:txBody>
-              <a:bodyPr>
-                <a:normAutofit fontScale="77500" lnSpcReduction="20000"/>
-              </a:bodyPr>
-              <a:lstStyle/>
-              <a:p>
-                <a:r>
-                  <a:rPr lang="ja-JP" altLang="en-US" dirty="0" smtClean="0"/>
-                  <a:t>画像認識の認識性能を高く保ち</a:t>
-                </a:r>
-                <a:r>
-                  <a:rPr lang="ja-JP" altLang="en-US" dirty="0"/>
-                  <a:t>，</a:t>
-                </a:r>
-                <a:r>
-                  <a:rPr lang="ja-JP" altLang="en-US" dirty="0" smtClean="0"/>
-                  <a:t>計算</a:t>
-                </a:r>
-                <a:r>
-                  <a:rPr lang="ja-JP" altLang="en-US" dirty="0"/>
-                  <a:t>コストを抑える最適な画像特徴ベクトルの次元数を調査</a:t>
-                </a:r>
-                <a:r>
-                  <a:rPr lang="ja-JP" altLang="en-US" dirty="0" smtClean="0"/>
-                  <a:t>する</a:t>
-                </a:r>
-                <a:r>
-                  <a:rPr lang="ja-JP" altLang="en-US" dirty="0"/>
-                  <a:t>．</a:t>
-                </a:r>
-                <a:endParaRPr lang="en-US" altLang="ja-JP" dirty="0"/>
-              </a:p>
-              <a:p>
-                <a:endParaRPr lang="en-US" altLang="ja-JP" dirty="0"/>
-              </a:p>
-              <a:p>
-                <a:r>
-                  <a:rPr lang="ja-JP" altLang="en-US" dirty="0"/>
-                  <a:t>画像集合を用意し，</a:t>
-                </a:r>
-                <a:r>
-                  <a:rPr lang="en-US" altLang="ja-JP" dirty="0"/>
-                  <a:t>CNN</a:t>
-                </a:r>
-                <a:r>
-                  <a:rPr lang="ja-JP" altLang="en-US" dirty="0"/>
-                  <a:t>を用いて特徴ベクトルを生成する．</a:t>
-                </a:r>
-                <a:endParaRPr lang="en-US" altLang="ja-JP" dirty="0"/>
-              </a:p>
-              <a:p>
-                <a:r>
-                  <a:rPr kumimoji="1" lang="ja-JP" altLang="en-US" dirty="0"/>
-                  <a:t>特徴ベクトルの次元数を変化させて，画像間の類似度を計算するときの計算コストと精度について評価する．</a:t>
-                </a:r>
-                <a:endParaRPr kumimoji="1" lang="en-US" altLang="ja-JP" dirty="0"/>
-              </a:p>
-              <a:p>
-                <a:endParaRPr kumimoji="1" lang="en-US" altLang="ja-JP" dirty="0"/>
-              </a:p>
-              <a:p>
-                <a:r>
-                  <a:rPr lang="ja-JP" altLang="en-US" dirty="0"/>
-                  <a:t>最適な次元数を見つけるための評価関数を定義する．</a:t>
-                </a:r>
-                <a:endParaRPr lang="en-US" altLang="ja-JP" dirty="0"/>
-              </a:p>
-              <a:p>
-                <a:endParaRPr kumimoji="1" lang="en-US" altLang="ja-JP" dirty="0"/>
-              </a:p>
-              <a:p>
-                <a:pPr marL="0" indent="0">
-                  <a:buNone/>
-                </a:pPr>
-                <a:r>
-                  <a:rPr kumimoji="1" lang="ja-JP" altLang="en-US" dirty="0" smtClean="0"/>
-                  <a:t>評価関数</a:t>
-                </a:r>
-                <a14:m>
-                  <m:oMath xmlns:m="http://schemas.openxmlformats.org/officeDocument/2006/math">
-                    <m:r>
-                      <a:rPr kumimoji="1" lang="en-US" altLang="ja-JP" b="0" i="0" smtClean="0">
-                        <a:latin typeface="Cambria Math" panose="02040503050406030204" pitchFamily="18" charset="0"/>
-                      </a:rPr>
-                      <m:t> </m:t>
-                    </m:r>
-                    <m:r>
-                      <a:rPr kumimoji="1" lang="en-US" altLang="ja-JP" i="1" smtClean="0">
-                        <a:latin typeface="Cambria Math" panose="02040503050406030204" pitchFamily="18" charset="0"/>
-                      </a:rPr>
-                      <m:t>=</m:t>
-                    </m:r>
-                    <m:r>
-                      <a:rPr kumimoji="1" lang="en-US" altLang="ja-JP" b="0" i="1" smtClean="0">
-                        <a:latin typeface="Cambria Math" panose="02040503050406030204" pitchFamily="18" charset="0"/>
-                      </a:rPr>
-                      <m:t>𝐸</m:t>
-                    </m:r>
-                    <m:r>
-                      <a:rPr kumimoji="1" lang="en-US" altLang="ja-JP" b="0" i="1" smtClean="0">
-                        <a:latin typeface="Cambria Math" panose="02040503050406030204" pitchFamily="18" charset="0"/>
-                      </a:rPr>
-                      <m:t>(</m:t>
-                    </m:r>
-                    <m:r>
-                      <a:rPr lang="ja-JP" altLang="en-US" i="1">
-                        <a:latin typeface="Cambria Math" panose="02040503050406030204" pitchFamily="18" charset="0"/>
-                      </a:rPr>
-                      <m:t>次元数</m:t>
-                    </m:r>
-                    <m:r>
-                      <a:rPr lang="ja-JP" altLang="en-US" i="1" smtClean="0">
-                        <a:latin typeface="Cambria Math" panose="02040503050406030204" pitchFamily="18" charset="0"/>
-                      </a:rPr>
-                      <m:t>，</m:t>
-                    </m:r>
-                    <m:r>
-                      <a:rPr lang="ja-JP" altLang="en-US" i="1">
-                        <a:latin typeface="Cambria Math" panose="02040503050406030204" pitchFamily="18" charset="0"/>
-                      </a:rPr>
-                      <m:t>認識精度</m:t>
-                    </m:r>
-                    <m:r>
-                      <a:rPr lang="ja-JP" altLang="en-US" i="1" smtClean="0">
-                        <a:latin typeface="Cambria Math" panose="02040503050406030204" pitchFamily="18" charset="0"/>
-                      </a:rPr>
-                      <m:t>，</m:t>
-                    </m:r>
-                    <m:r>
-                      <a:rPr lang="ja-JP" altLang="en-US" i="1">
-                        <a:latin typeface="Cambria Math" panose="02040503050406030204" pitchFamily="18" charset="0"/>
-                      </a:rPr>
-                      <m:t>計算コスト</m:t>
-                    </m:r>
-                    <m:r>
-                      <a:rPr kumimoji="1" lang="en-US" altLang="ja-JP" b="0" i="1" smtClean="0">
-                        <a:latin typeface="Cambria Math" panose="02040503050406030204" pitchFamily="18" charset="0"/>
-                      </a:rPr>
-                      <m:t>)</m:t>
-                    </m:r>
-                  </m:oMath>
-                </a14:m>
-                <a:endParaRPr kumimoji="1" lang="en-US" altLang="ja-JP" dirty="0"/>
-              </a:p>
-            </p:txBody>
-          </p:sp>
-        </mc:Choice>
-        <mc:Fallback xmlns="">
-          <p:sp>
-            <p:nvSpPr>
-              <p:cNvPr id="3" name="コンテンツ プレースホルダー 2"/>
-              <p:cNvSpPr>
-                <a:spLocks noGrp="1" noRot="1" noChangeAspect="1" noMove="1" noResize="1" noEditPoints="1" noAdjustHandles="1" noChangeArrowheads="1" noChangeShapeType="1" noTextEdit="1"/>
-              </p:cNvSpPr>
-              <p:nvPr>
-                <p:ph idx="1"/>
-              </p:nvPr>
-            </p:nvSpPr>
-            <p:spPr>
-              <a:xfrm>
-                <a:off x="628650" y="1961147"/>
-                <a:ext cx="7886700" cy="4186990"/>
-              </a:xfrm>
-              <a:blipFill>
-                <a:blip r:embed="rId3"/>
-                <a:stretch>
-                  <a:fillRect l="-1005" t="-2911" r="-1314"/>
-                </a:stretch>
-              </a:blipFill>
-            </p:spPr>
-            <p:txBody>
-              <a:bodyPr/>
-              <a:lstStyle/>
-              <a:p>
-                <a:r>
-                  <a:rPr lang="ja-JP" altLang="en-US">
-                    <a:noFill/>
-                  </a:rPr>
-                  <a:t> </a:t>
-                </a:r>
-              </a:p>
-            </p:txBody>
-          </p:sp>
-        </mc:Fallback>
-      </mc:AlternateContent>
-      <p:sp>
-        <p:nvSpPr>
-          <p:cNvPr id="4" name="スライド番号プレースホルダー 3"/>
-          <p:cNvSpPr>
-            <a:spLocks noGrp="1"/>
-          </p:cNvSpPr>
-          <p:nvPr>
-            <p:ph type="sldNum" sz="quarter" idx="12"/>
-          </p:nvPr>
-        </p:nvSpPr>
-        <p:spPr/>
-        <p:txBody>
-          <a:bodyPr/>
-          <a:lstStyle/>
-          <a:p>
-            <a:fld id="{B4451160-128F-4DAD-AE29-4A8CC0E7B9E9}" type="slidenum">
-              <a:rPr kumimoji="1" lang="ja-JP" altLang="en-US" sz="3200" smtClean="0"/>
-              <a:t>9</a:t>
-            </a:fld>
-            <a:endParaRPr kumimoji="1" lang="ja-JP" altLang="en-US" sz="3200" dirty="0"/>
-          </a:p>
-        </p:txBody>
-      </p:sp>
-    </p:spTree>
-    <p:extLst>
-      <p:ext uri="{BB962C8B-B14F-4D97-AF65-F5344CB8AC3E}">
-        <p14:creationId xmlns:p14="http://schemas.microsoft.com/office/powerpoint/2010/main" val="1260124372"/>
       </p:ext>
     </p:extLst>
   </p:cSld>

--- a/ゼミ発表資料/1821005_1115.pptx
+++ b/ゼミ発表資料/1821005_1115.pptx
@@ -217,7 +217,7 @@
           <a:p>
             <a:fld id="{D359827B-A45A-42A3-8D19-3E0C9B79B6AF}" type="datetimeFigureOut">
               <a:rPr kumimoji="1" lang="ja-JP" altLang="en-US" smtClean="0"/>
-              <a:t>2021/11/15</a:t>
+              <a:t>2021/11/16</a:t>
             </a:fld>
             <a:endParaRPr kumimoji="1" lang="ja-JP" altLang="en-US"/>
           </a:p>
@@ -887,7 +887,7 @@
           <a:p>
             <a:fld id="{F97256E2-A65E-4B77-B264-911586924883}" type="datetime1">
               <a:rPr kumimoji="1" lang="ja-JP" altLang="en-US" smtClean="0"/>
-              <a:t>2021/11/15</a:t>
+              <a:t>2021/11/16</a:t>
             </a:fld>
             <a:endParaRPr kumimoji="1" lang="ja-JP" altLang="en-US"/>
           </a:p>
@@ -1089,7 +1089,7 @@
           <a:p>
             <a:fld id="{7D14B865-5DC8-45B1-AA67-F8656352C909}" type="datetime1">
               <a:rPr kumimoji="1" lang="ja-JP" altLang="en-US" smtClean="0"/>
-              <a:t>2021/11/15</a:t>
+              <a:t>2021/11/16</a:t>
             </a:fld>
             <a:endParaRPr kumimoji="1" lang="ja-JP" altLang="en-US"/>
           </a:p>
@@ -1301,7 +1301,7 @@
           <a:p>
             <a:fld id="{02A15EFD-2DFF-458B-A902-73BF4EFB1164}" type="datetime1">
               <a:rPr kumimoji="1" lang="ja-JP" altLang="en-US" smtClean="0"/>
-              <a:t>2021/11/15</a:t>
+              <a:t>2021/11/16</a:t>
             </a:fld>
             <a:endParaRPr kumimoji="1" lang="ja-JP" altLang="en-US"/>
           </a:p>
@@ -1503,7 +1503,7 @@
           <a:p>
             <a:fld id="{9EBF459C-F29A-4B20-A8B3-856EFF20B301}" type="datetime1">
               <a:rPr kumimoji="1" lang="ja-JP" altLang="en-US" smtClean="0"/>
-              <a:t>2021/11/15</a:t>
+              <a:t>2021/11/16</a:t>
             </a:fld>
             <a:endParaRPr kumimoji="1" lang="ja-JP" altLang="en-US"/>
           </a:p>
@@ -1747,7 +1747,7 @@
           <a:p>
             <a:fld id="{E2F1D19E-D3ED-426D-8C0C-A7E859C70D82}" type="datetime1">
               <a:rPr kumimoji="1" lang="ja-JP" altLang="en-US" smtClean="0"/>
-              <a:t>2021/11/15</a:t>
+              <a:t>2021/11/16</a:t>
             </a:fld>
             <a:endParaRPr kumimoji="1" lang="ja-JP" altLang="en-US"/>
           </a:p>
@@ -2043,7 +2043,7 @@
           <a:p>
             <a:fld id="{AC85B4AF-0CA0-4CE4-B5F2-9615981BDB42}" type="datetime1">
               <a:rPr kumimoji="1" lang="ja-JP" altLang="en-US" smtClean="0"/>
-              <a:t>2021/11/15</a:t>
+              <a:t>2021/11/16</a:t>
             </a:fld>
             <a:endParaRPr kumimoji="1" lang="ja-JP" altLang="en-US"/>
           </a:p>
@@ -2474,7 +2474,7 @@
           <a:p>
             <a:fld id="{41CEF983-C0A5-4267-8E2C-E552BBDE4CE2}" type="datetime1">
               <a:rPr kumimoji="1" lang="ja-JP" altLang="en-US" smtClean="0"/>
-              <a:t>2021/11/15</a:t>
+              <a:t>2021/11/16</a:t>
             </a:fld>
             <a:endParaRPr kumimoji="1" lang="ja-JP" altLang="en-US"/>
           </a:p>
@@ -2592,7 +2592,7 @@
           <a:p>
             <a:fld id="{88BDB93D-AD42-430C-B431-09BCC7ABE956}" type="datetime1">
               <a:rPr kumimoji="1" lang="ja-JP" altLang="en-US" smtClean="0"/>
-              <a:t>2021/11/15</a:t>
+              <a:t>2021/11/16</a:t>
             </a:fld>
             <a:endParaRPr kumimoji="1" lang="ja-JP" altLang="en-US"/>
           </a:p>
@@ -2687,7 +2687,7 @@
           <a:p>
             <a:fld id="{D271579B-5523-45D2-8886-921D1D44EEED}" type="datetime1">
               <a:rPr kumimoji="1" lang="ja-JP" altLang="en-US" smtClean="0"/>
-              <a:t>2021/11/15</a:t>
+              <a:t>2021/11/16</a:t>
             </a:fld>
             <a:endParaRPr kumimoji="1" lang="ja-JP" altLang="en-US"/>
           </a:p>
@@ -2996,7 +2996,7 @@
           <a:p>
             <a:fld id="{0E7742D9-CD6D-4362-A175-904BAA441680}" type="datetime1">
               <a:rPr kumimoji="1" lang="ja-JP" altLang="en-US" smtClean="0"/>
-              <a:t>2021/11/15</a:t>
+              <a:t>2021/11/16</a:t>
             </a:fld>
             <a:endParaRPr kumimoji="1" lang="ja-JP" altLang="en-US"/>
           </a:p>
@@ -3253,7 +3253,7 @@
           <a:p>
             <a:fld id="{81F08DD8-F1CF-472A-B406-5FCD361CD16E}" type="datetime1">
               <a:rPr kumimoji="1" lang="ja-JP" altLang="en-US" smtClean="0"/>
-              <a:t>2021/11/15</a:t>
+              <a:t>2021/11/16</a:t>
             </a:fld>
             <a:endParaRPr kumimoji="1" lang="ja-JP" altLang="en-US"/>
           </a:p>
@@ -3498,7 +3498,7 @@
           <a:p>
             <a:fld id="{12578FE9-280D-4954-B807-C67AC8024AE2}" type="datetime1">
               <a:rPr kumimoji="1" lang="ja-JP" altLang="en-US" smtClean="0"/>
-              <a:t>2021/11/15</a:t>
+              <a:t>2021/11/16</a:t>
             </a:fld>
             <a:endParaRPr kumimoji="1" lang="ja-JP" altLang="en-US"/>
           </a:p>
@@ -3948,7 +3948,6 @@
               <a:rPr kumimoji="1" lang="en-US" altLang="ja-JP" dirty="0" smtClean="0"/>
               <a:t>2021/11/15</a:t>
             </a:r>
-            <a:endParaRPr kumimoji="1" lang="en-US" altLang="ja-JP" dirty="0" smtClean="0"/>
           </a:p>
           <a:p>
             <a:r>
@@ -4045,8 +4044,8 @@
           </a:p>
         </p:txBody>
       </p:sp>
-      <mc:AlternateContent xmlns:mc="http://schemas.openxmlformats.org/markup-compatibility/2006" xmlns:a14="http://schemas.microsoft.com/office/drawing/2010/main">
-        <mc:Choice Requires="a14">
+      <mc:AlternateContent xmlns:mc="http://schemas.openxmlformats.org/markup-compatibility/2006">
+        <mc:Choice xmlns:a14="http://schemas.microsoft.com/office/drawing/2010/main" Requires="a14">
           <p:sp>
             <p:nvSpPr>
               <p:cNvPr id="3" name="コンテンツ プレースホルダー 2"/>
@@ -4171,18 +4170,6 @@
                       <a:rPr lang="ja-JP" altLang="en-US" i="1">
                         <a:latin typeface="Cambria Math" panose="02040503050406030204" pitchFamily="18" charset="0"/>
                       </a:rPr>
-                      <m:t>次元数</m:t>
-                    </m:r>
-                    <m:r>
-                      <a:rPr lang="ja-JP" altLang="en-US" i="1" smtClean="0">
-                        <a:latin typeface="Cambria Math" panose="02040503050406030204" pitchFamily="18" charset="0"/>
-                      </a:rPr>
-                      <m:t>，</m:t>
-                    </m:r>
-                    <m:r>
-                      <a:rPr lang="ja-JP" altLang="en-US" i="1">
-                        <a:latin typeface="Cambria Math" panose="02040503050406030204" pitchFamily="18" charset="0"/>
-                      </a:rPr>
                       <m:t>認識精度</m:t>
                     </m:r>
                     <m:r>
@@ -4205,12 +4192,12 @@
                     </m:r>
                   </m:oMath>
                 </a14:m>
-                <a:endParaRPr kumimoji="1" lang="en-US" altLang="ja-JP" dirty="0"/>
+                <a:endParaRPr kumimoji="1" lang="en-US" altLang="ja-JP" b="0" dirty="0" smtClean="0"/>
               </a:p>
             </p:txBody>
           </p:sp>
         </mc:Choice>
-        <mc:Fallback xmlns="">
+        <mc:Fallback>
           <p:sp>
             <p:nvSpPr>
               <p:cNvPr id="3" name="コンテンツ プレースホルダー 2"/>
